--- a/phpoffice/results/organigrama.pptx
+++ b/phpoffice/results/organigrama.pptx
@@ -7,7 +7,7 @@
   <p:sldIdLst>
     <p:sldId id="256" r:id="rId3"/>
   </p:sldIdLst>
-  <p:sldSz cx="17145000" cy="11430000"/>
+  <p:sldSz cx="22860000" cy="11430000"/>
   <p:notesSz cx="6858000" cy="9144000"/>
   <p:defaultTextStyle>
     <a:defPPr>
@@ -161,7 +161,7 @@
   </p:cSld>
   <p:clrMap bg1="lt1" tx1="dk1" bg2="lt2" tx2="dk2" accent1="accent1" accent2="accent2" accent3="accent3" accent4="accent4" accent5="accent5" accent6="accent6" hlink="hlink" folHlink="folHlink"/>
   <p:sldLayoutIdLst>
-    <p:sldLayoutId id="2247430147" r:id="rId1"/>
+    <p:sldLayoutId id="2247474613" r:id="rId1"/>
   </p:sldLayoutIdLst>
   <p:txStyles>
     <p:titleStyle>
@@ -210,9 +210,9 @@
       <p:grpSpPr>
         <a:xfrm>
           <a:off x="-9525" y="-9525"/>
-          <a:ext cx="16954500" cy="11239500"/>
+          <a:ext cx="22669500" cy="11239500"/>
           <a:chOff x="-9525" y="-9525"/>
-          <a:chExt cx="16954500" cy="11239500"/>
+          <a:chExt cx="22669500" cy="11239500"/>
         </a:xfrm>
       </p:grpSpPr>
       <p:pic>
@@ -231,7 +231,7 @@
         </p:blipFill>
         <p:spPr>
           <a:xfrm>
-            <a:off x="15240000" y="285750"/>
+            <a:off x="20955000" y="285750"/>
             <a:ext cx="1685925" cy="381000"/>
           </a:xfrm>
           <a:prstGeom prst="rect">
@@ -272,7 +272,7 @@
         <p:spPr>
           <a:xfrm>
             <a:off x="190500" y="285750"/>
-            <a:ext cx="16764000" cy="0"/>
+            <a:ext cx="22479000" cy="0"/>
           </a:xfrm>
           <a:prstGeom prst="line">
             <a:avLst/>
@@ -299,7 +299,7 @@
         <p:spPr>
           <a:xfrm>
             <a:off x="190500" y="11239500"/>
-            <a:ext cx="16764000" cy="0"/>
+            <a:ext cx="22479000" cy="0"/>
           </a:xfrm>
           <a:prstGeom prst="line">
             <a:avLst/>
@@ -352,7 +352,7 @@
         </p:nvCxnSpPr>
         <p:spPr>
           <a:xfrm>
-            <a:off x="16954500" y="285750"/>
+            <a:off x="22669500" y="285750"/>
             <a:ext cx="0" cy="10953750"/>
           </a:xfrm>
           <a:prstGeom prst="line">
@@ -406,7 +406,7 @@
         </p:nvSpPr>
         <p:spPr>
           <a:xfrm>
-            <a:off x="7200900" y="38100"/>
+            <a:off x="9601200" y="38100"/>
             <a:ext cx="2857500" cy="190500"/>
           </a:xfrm>
           <a:prstGeom prst="rect">
@@ -475,7 +475,7 @@
                 </a:solidFill>
                 <a:latin typeface="Calibri"/>
               </a:rPr>
-              <a:t><![CDATA[2]]></a:t>
+              <a:t><![CDATA[1]]></a:t>
             </a:r>
           </a:p>
         </p:txBody>
@@ -489,7 +489,7 @@
         <p:spPr>
           <a:xfrm>
             <a:off x="190500" y="3810000"/>
-            <a:ext cx="16764000" cy="0"/>
+            <a:ext cx="22479000" cy="0"/>
           </a:xfrm>
           <a:prstGeom prst="line">
             <a:avLst/>
@@ -516,6 +516,74 @@
         <p:spPr>
           <a:xfrm>
             <a:off x="95250" y="5715000"/>
+            <a:ext cx="571500" cy="571500"/>
+          </a:xfrm>
+          <a:prstGeom prst="rect">
+            <a:avLst/>
+          </a:prstGeom>
+          <a:noFill/>
+        </p:spPr>
+        <p:txBody>
+          <a:bodyPr rtlCol="0" bIns="45720" lIns="91440" rIns="91440" tIns="45720">
+            <a:spAutoFit/>
+          </a:bodyPr>
+          <a:lstStyle/>
+          <a:p>
+            <a:pPr algn="ctr" fontAlgn="base" marL="0" marR="0" indent="0" lvl="0">
+              <a:lnSpc>
+                <a:spcPct val="100%"/>
+              </a:lnSpc>
+            </a:pPr>
+            <a:r>
+              <a:rPr lang="en-US" b="1" sz="1800" spc="0" u="none">
+                <a:solidFill>
+                  <a:srgbClr val="000000">
+                    <a:alpha val="100.00%"/>
+                  </a:srgbClr>
+                </a:solidFill>
+                <a:latin typeface="Calibri"/>
+              </a:rPr>
+              <a:t><![CDATA[2]]></a:t>
+            </a:r>
+          </a:p>
+        </p:txBody>
+      </p:sp>
+      <p:cxnSp>
+        <p:nvCxnSpPr>
+          <p:cNvPr id="12" name=""/>
+          <p:cNvCxnSpPr/>
+          <p:nvPr/>
+        </p:nvCxnSpPr>
+        <p:spPr>
+          <a:xfrm>
+            <a:off x="190500" y="7620000"/>
+            <a:ext cx="22479000" cy="0"/>
+          </a:xfrm>
+          <a:prstGeom prst="line">
+            <a:avLst/>
+          </a:prstGeom>
+          <a:ln w="12700" cap="flat" cmpd="sng" algn="ctr">
+            <a:solidFill>
+              <a:srgbClr val="000080">
+                <a:alpha val="100.00%"/>
+              </a:srgbClr>
+            </a:solidFill>
+            <a:prstDash val="solid"/>
+            <a:round/>
+            <a:headEnd type="none" w="med" len="med"/>
+            <a:tailEnd type="none" w="med" len="med"/>
+          </a:ln>
+        </p:spPr>
+      </p:cxnSp>
+      <p:sp>
+        <p:nvSpPr>
+          <p:cNvPr id="13" name=""/>
+          <p:cNvSpPr txBox="1"/>
+          <p:nvPr/>
+        </p:nvSpPr>
+        <p:spPr>
+          <a:xfrm>
+            <a:off x="95250" y="9525000"/>
             <a:ext cx="571500" cy="571500"/>
           </a:xfrm>
           <a:prstGeom prst="rect">
@@ -548,74 +616,6 @@
           </a:p>
         </p:txBody>
       </p:sp>
-      <p:cxnSp>
-        <p:nvCxnSpPr>
-          <p:cNvPr id="12" name=""/>
-          <p:cNvCxnSpPr/>
-          <p:nvPr/>
-        </p:nvCxnSpPr>
-        <p:spPr>
-          <a:xfrm>
-            <a:off x="190500" y="7620000"/>
-            <a:ext cx="16764000" cy="0"/>
-          </a:xfrm>
-          <a:prstGeom prst="line">
-            <a:avLst/>
-          </a:prstGeom>
-          <a:ln w="12700" cap="flat" cmpd="sng" algn="ctr">
-            <a:solidFill>
-              <a:srgbClr val="000080">
-                <a:alpha val="100.00%"/>
-              </a:srgbClr>
-            </a:solidFill>
-            <a:prstDash val="solid"/>
-            <a:round/>
-            <a:headEnd type="none" w="med" len="med"/>
-            <a:tailEnd type="none" w="med" len="med"/>
-          </a:ln>
-        </p:spPr>
-      </p:cxnSp>
-      <p:sp>
-        <p:nvSpPr>
-          <p:cNvPr id="13" name=""/>
-          <p:cNvSpPr txBox="1"/>
-          <p:nvPr/>
-        </p:nvSpPr>
-        <p:spPr>
-          <a:xfrm>
-            <a:off x="95250" y="9525000"/>
-            <a:ext cx="571500" cy="571500"/>
-          </a:xfrm>
-          <a:prstGeom prst="rect">
-            <a:avLst/>
-          </a:prstGeom>
-          <a:noFill/>
-        </p:spPr>
-        <p:txBody>
-          <a:bodyPr rtlCol="0" bIns="45720" lIns="91440" rIns="91440" tIns="45720">
-            <a:spAutoFit/>
-          </a:bodyPr>
-          <a:lstStyle/>
-          <a:p>
-            <a:pPr algn="ctr" fontAlgn="base" marL="0" marR="0" indent="0" lvl="0">
-              <a:lnSpc>
-                <a:spcPct val="100%"/>
-              </a:lnSpc>
-            </a:pPr>
-            <a:r>
-              <a:rPr lang="en-US" b="1" sz="1800" spc="0" u="none">
-                <a:solidFill>
-                  <a:srgbClr val="000000">
-                    <a:alpha val="100.00%"/>
-                  </a:srgbClr>
-                </a:solidFill>
-                <a:latin typeface="Calibri"/>
-              </a:rPr>
-              <a:t><![CDATA[5]]></a:t>
-            </a:r>
-          </a:p>
-        </p:txBody>
-      </p:sp>
       <p:sp>
         <p:nvSpPr>
           <p:cNvPr id="14" name=""/>
@@ -624,7 +624,7 @@
         </p:nvSpPr>
         <p:spPr>
           <a:xfrm>
-            <a:off x="1590675" y="9525000"/>
+            <a:off x="962025" y="1905000"/>
             <a:ext cx="952500" cy="476250"/>
           </a:xfrm>
           <a:prstGeom prst="rect">
@@ -663,7 +663,7 @@
                 </a:solidFill>
                 <a:latin typeface="Calibri"/>
               </a:rPr>
-              <a:t><![CDATA[PRIMER AREA]]></a:t>
+              <a:t><![CDATA[PRESIDENCIA]]></a:t>
             </a:r>
           </a:p>
         </p:txBody>
@@ -676,7 +676,7 @@
         </p:nvSpPr>
         <p:spPr>
           <a:xfrm>
-            <a:off x="1590675" y="5715000"/>
+            <a:off x="962025" y="5715000"/>
             <a:ext cx="952500" cy="476250"/>
           </a:xfrm>
           <a:prstGeom prst="rect">
@@ -715,7 +715,7 @@
                 </a:solidFill>
                 <a:latin typeface="Calibri"/>
               </a:rPr>
-              <a:t><![CDATA[SEGUNDA AREA]]></a:t>
+              <a:t><![CDATA[GERENCIA SISTEMAS DE INFORMACION]]></a:t>
             </a:r>
           </a:p>
         </p:txBody>
@@ -728,7 +728,7 @@
         </p:nvSpPr>
         <p:spPr>
           <a:xfrm>
-            <a:off x="1590675" y="1905000"/>
+            <a:off x="2886075" y="5715000"/>
             <a:ext cx="952500" cy="476250"/>
           </a:xfrm>
           <a:prstGeom prst="rect">
@@ -767,7 +767,7 @@
                 </a:solidFill>
                 <a:latin typeface="Calibri"/>
               </a:rPr>
-              <a:t><![CDATA[TERCERA AREA]]></a:t>
+              <a:t><![CDATA[GERENCIA SISTEMAS DE INFORMACION]]></a:t>
             </a:r>
           </a:p>
         </p:txBody>
@@ -780,7 +780,7 @@
         </p:nvSpPr>
         <p:spPr>
           <a:xfrm>
-            <a:off x="4772025" y="1905000"/>
+            <a:off x="4810125" y="5715000"/>
             <a:ext cx="952500" cy="476250"/>
           </a:xfrm>
           <a:prstGeom prst="rect">
@@ -819,7 +819,7 @@
                 </a:solidFill>
                 <a:latin typeface="Calibri"/>
               </a:rPr>
-              <a:t><![CDATA[CUARTA AREA]]></a:t>
+              <a:t><![CDATA[GERENCIA SISTEMAS DE INFORMACION]]></a:t>
             </a:r>
           </a:p>
         </p:txBody>
@@ -832,7 +832,7 @@
         </p:nvSpPr>
         <p:spPr>
           <a:xfrm>
-            <a:off x="4772025" y="9525000"/>
+            <a:off x="6734175" y="5715000"/>
             <a:ext cx="952500" cy="476250"/>
           </a:xfrm>
           <a:prstGeom prst="rect">
@@ -871,21 +871,333 @@
                 </a:solidFill>
                 <a:latin typeface="Calibri"/>
               </a:rPr>
-              <a:t><![CDATA[QUINTA AREA]]></a:t>
+              <a:t><![CDATA[GERENCIA SISTEMAS DE INFORMACION]]></a:t>
+            </a:r>
+          </a:p>
+        </p:txBody>
+      </p:sp>
+      <p:sp>
+        <p:nvSpPr>
+          <p:cNvPr id="19" name=""/>
+          <p:cNvSpPr txBox="1"/>
+          <p:nvPr/>
+        </p:nvSpPr>
+        <p:spPr>
+          <a:xfrm>
+            <a:off x="8658225" y="5715000"/>
+            <a:ext cx="952500" cy="476250"/>
+          </a:xfrm>
+          <a:prstGeom prst="rect">
+            <a:avLst/>
+          </a:prstGeom>
+          <a:noFill/>
+          <a:ln w="25400" cap="flat" cmpd="sng" algn="ctr">
+            <a:solidFill>
+              <a:srgbClr val="000000">
+                <a:alpha val="100.00%"/>
+              </a:srgbClr>
+            </a:solidFill>
+            <a:prstDash val="solid"/>
+            <a:round/>
+            <a:headEnd type="none" w="med" len="med"/>
+            <a:tailEnd type="none" w="med" len="med"/>
+          </a:ln>
+        </p:spPr>
+        <p:txBody>
+          <a:bodyPr rtlCol="0" bIns="45720" lIns="91440" rIns="91440" tIns="45720">
+            <a:spAutoFit/>
+          </a:bodyPr>
+          <a:lstStyle/>
+          <a:p>
+            <a:pPr algn="ctr" fontAlgn="base" marL="0" marR="0" indent="0" lvl="0">
+              <a:lnSpc>
+                <a:spcPct val="100%"/>
+              </a:lnSpc>
+            </a:pPr>
+            <a:r>
+              <a:rPr lang="en-US" b="1" sz="1100" spc="0" u="none">
+                <a:solidFill>
+                  <a:srgbClr val="000000">
+                    <a:alpha val="100.00%"/>
+                  </a:srgbClr>
+                </a:solidFill>
+                <a:latin typeface="Calibri"/>
+              </a:rPr>
+              <a:t><![CDATA[GERENCIA SISTEMAS DE INFORMACION]]></a:t>
+            </a:r>
+          </a:p>
+        </p:txBody>
+      </p:sp>
+      <p:sp>
+        <p:nvSpPr>
+          <p:cNvPr id="20" name=""/>
+          <p:cNvSpPr txBox="1"/>
+          <p:nvPr/>
+        </p:nvSpPr>
+        <p:spPr>
+          <a:xfrm>
+            <a:off x="962025" y="9525000"/>
+            <a:ext cx="952500" cy="476250"/>
+          </a:xfrm>
+          <a:prstGeom prst="rect">
+            <a:avLst/>
+          </a:prstGeom>
+          <a:noFill/>
+          <a:ln w="25400" cap="flat" cmpd="sng" algn="ctr">
+            <a:solidFill>
+              <a:srgbClr val="000000">
+                <a:alpha val="100.00%"/>
+              </a:srgbClr>
+            </a:solidFill>
+            <a:prstDash val="solid"/>
+            <a:round/>
+            <a:headEnd type="none" w="med" len="med"/>
+            <a:tailEnd type="none" w="med" len="med"/>
+          </a:ln>
+        </p:spPr>
+        <p:txBody>
+          <a:bodyPr rtlCol="0" bIns="45720" lIns="91440" rIns="91440" tIns="45720">
+            <a:spAutoFit/>
+          </a:bodyPr>
+          <a:lstStyle/>
+          <a:p>
+            <a:pPr algn="ctr" fontAlgn="base" marL="0" marR="0" indent="0" lvl="0">
+              <a:lnSpc>
+                <a:spcPct val="100%"/>
+              </a:lnSpc>
+            </a:pPr>
+            <a:r>
+              <a:rPr lang="en-US" b="1" sz="1100" spc="0" u="none">
+                <a:solidFill>
+                  <a:srgbClr val="000000">
+                    <a:alpha val="100.00%"/>
+                  </a:srgbClr>
+                </a:solidFill>
+                <a:latin typeface="Calibri"/>
+              </a:rPr>
+              <a:t><![CDATA[COORDINACION ADMINISTRACION FUNCIONAL SISTEMAS]]></a:t>
+            </a:r>
+          </a:p>
+        </p:txBody>
+      </p:sp>
+      <p:sp>
+        <p:nvSpPr>
+          <p:cNvPr id="21" name=""/>
+          <p:cNvSpPr txBox="1"/>
+          <p:nvPr/>
+        </p:nvSpPr>
+        <p:spPr>
+          <a:xfrm>
+            <a:off x="2886075" y="9525000"/>
+            <a:ext cx="952500" cy="476250"/>
+          </a:xfrm>
+          <a:prstGeom prst="rect">
+            <a:avLst/>
+          </a:prstGeom>
+          <a:noFill/>
+          <a:ln w="25400" cap="flat" cmpd="sng" algn="ctr">
+            <a:solidFill>
+              <a:srgbClr val="000000">
+                <a:alpha val="100.00%"/>
+              </a:srgbClr>
+            </a:solidFill>
+            <a:prstDash val="solid"/>
+            <a:round/>
+            <a:headEnd type="none" w="med" len="med"/>
+            <a:tailEnd type="none" w="med" len="med"/>
+          </a:ln>
+        </p:spPr>
+        <p:txBody>
+          <a:bodyPr rtlCol="0" bIns="45720" lIns="91440" rIns="91440" tIns="45720">
+            <a:spAutoFit/>
+          </a:bodyPr>
+          <a:lstStyle/>
+          <a:p>
+            <a:pPr algn="ctr" fontAlgn="base" marL="0" marR="0" indent="0" lvl="0">
+              <a:lnSpc>
+                <a:spcPct val="100%"/>
+              </a:lnSpc>
+            </a:pPr>
+            <a:r>
+              <a:rPr lang="en-US" b="1" sz="1100" spc="0" u="none">
+                <a:solidFill>
+                  <a:srgbClr val="000000">
+                    <a:alpha val="100.00%"/>
+                  </a:srgbClr>
+                </a:solidFill>
+                <a:latin typeface="Calibri"/>
+              </a:rPr>
+              <a:t><![CDATA[COORDINACION ADMINISTRACION FUNCIONAL SISTEMAS]]></a:t>
+            </a:r>
+          </a:p>
+        </p:txBody>
+      </p:sp>
+      <p:sp>
+        <p:nvSpPr>
+          <p:cNvPr id="22" name=""/>
+          <p:cNvSpPr txBox="1"/>
+          <p:nvPr/>
+        </p:nvSpPr>
+        <p:spPr>
+          <a:xfrm>
+            <a:off x="4810125" y="9525000"/>
+            <a:ext cx="952500" cy="476250"/>
+          </a:xfrm>
+          <a:prstGeom prst="rect">
+            <a:avLst/>
+          </a:prstGeom>
+          <a:noFill/>
+          <a:ln w="25400" cap="flat" cmpd="sng" algn="ctr">
+            <a:solidFill>
+              <a:srgbClr val="000000">
+                <a:alpha val="100.00%"/>
+              </a:srgbClr>
+            </a:solidFill>
+            <a:prstDash val="solid"/>
+            <a:round/>
+            <a:headEnd type="none" w="med" len="med"/>
+            <a:tailEnd type="none" w="med" len="med"/>
+          </a:ln>
+        </p:spPr>
+        <p:txBody>
+          <a:bodyPr rtlCol="0" bIns="45720" lIns="91440" rIns="91440" tIns="45720">
+            <a:spAutoFit/>
+          </a:bodyPr>
+          <a:lstStyle/>
+          <a:p>
+            <a:pPr algn="ctr" fontAlgn="base" marL="0" marR="0" indent="0" lvl="0">
+              <a:lnSpc>
+                <a:spcPct val="100%"/>
+              </a:lnSpc>
+            </a:pPr>
+            <a:r>
+              <a:rPr lang="en-US" b="1" sz="1100" spc="0" u="none">
+                <a:solidFill>
+                  <a:srgbClr val="000000">
+                    <a:alpha val="100.00%"/>
+                  </a:srgbClr>
+                </a:solidFill>
+                <a:latin typeface="Calibri"/>
+              </a:rPr>
+              <a:t><![CDATA[ADMINISTRACION INFRAESTRUCTURA]]></a:t>
+            </a:r>
+          </a:p>
+        </p:txBody>
+      </p:sp>
+      <p:sp>
+        <p:nvSpPr>
+          <p:cNvPr id="23" name=""/>
+          <p:cNvSpPr txBox="1"/>
+          <p:nvPr/>
+        </p:nvSpPr>
+        <p:spPr>
+          <a:xfrm>
+            <a:off x="6734175" y="9525000"/>
+            <a:ext cx="952500" cy="476250"/>
+          </a:xfrm>
+          <a:prstGeom prst="rect">
+            <a:avLst/>
+          </a:prstGeom>
+          <a:noFill/>
+          <a:ln w="25400" cap="flat" cmpd="sng" algn="ctr">
+            <a:solidFill>
+              <a:srgbClr val="000000">
+                <a:alpha val="100.00%"/>
+              </a:srgbClr>
+            </a:solidFill>
+            <a:prstDash val="solid"/>
+            <a:round/>
+            <a:headEnd type="none" w="med" len="med"/>
+            <a:tailEnd type="none" w="med" len="med"/>
+          </a:ln>
+        </p:spPr>
+        <p:txBody>
+          <a:bodyPr rtlCol="0" bIns="45720" lIns="91440" rIns="91440" tIns="45720">
+            <a:spAutoFit/>
+          </a:bodyPr>
+          <a:lstStyle/>
+          <a:p>
+            <a:pPr algn="ctr" fontAlgn="base" marL="0" marR="0" indent="0" lvl="0">
+              <a:lnSpc>
+                <a:spcPct val="100%"/>
+              </a:lnSpc>
+            </a:pPr>
+            <a:r>
+              <a:rPr lang="en-US" b="1" sz="1100" spc="0" u="none">
+                <a:solidFill>
+                  <a:srgbClr val="000000">
+                    <a:alpha val="100.00%"/>
+                  </a:srgbClr>
+                </a:solidFill>
+                <a:latin typeface="Calibri"/>
+              </a:rPr>
+              <a:t><![CDATA[ADMINISTRACION INFRAESTRUCTURA]]></a:t>
+            </a:r>
+          </a:p>
+        </p:txBody>
+      </p:sp>
+      <p:sp>
+        <p:nvSpPr>
+          <p:cNvPr id="24" name=""/>
+          <p:cNvSpPr txBox="1"/>
+          <p:nvPr/>
+        </p:nvSpPr>
+        <p:spPr>
+          <a:xfrm>
+            <a:off x="8658225" y="9525000"/>
+            <a:ext cx="952500" cy="476250"/>
+          </a:xfrm>
+          <a:prstGeom prst="rect">
+            <a:avLst/>
+          </a:prstGeom>
+          <a:noFill/>
+          <a:ln w="25400" cap="flat" cmpd="sng" algn="ctr">
+            <a:solidFill>
+              <a:srgbClr val="000000">
+                <a:alpha val="100.00%"/>
+              </a:srgbClr>
+            </a:solidFill>
+            <a:prstDash val="solid"/>
+            <a:round/>
+            <a:headEnd type="none" w="med" len="med"/>
+            <a:tailEnd type="none" w="med" len="med"/>
+          </a:ln>
+        </p:spPr>
+        <p:txBody>
+          <a:bodyPr rtlCol="0" bIns="45720" lIns="91440" rIns="91440" tIns="45720">
+            <a:spAutoFit/>
+          </a:bodyPr>
+          <a:lstStyle/>
+          <a:p>
+            <a:pPr algn="ctr" fontAlgn="base" marL="0" marR="0" indent="0" lvl="0">
+              <a:lnSpc>
+                <a:spcPct val="100%"/>
+              </a:lnSpc>
+            </a:pPr>
+            <a:r>
+              <a:rPr lang="en-US" b="1" sz="1100" spc="0" u="none">
+                <a:solidFill>
+                  <a:srgbClr val="000000">
+                    <a:alpha val="100.00%"/>
+                  </a:srgbClr>
+                </a:solidFill>
+                <a:latin typeface="Calibri"/>
+              </a:rPr>
+              <a:t><![CDATA[COMUNICACIONES Y SEGURIDAD INFORMATICA]]></a:t>
             </a:r>
           </a:p>
         </p:txBody>
       </p:sp>
       <p:cxnSp>
         <p:nvCxnSpPr>
-          <p:cNvPr id="19" name=""/>
+          <p:cNvPr id="25" name=""/>
           <p:cNvCxnSpPr/>
           <p:nvPr/>
         </p:nvCxnSpPr>
         <p:spPr>
           <a:xfrm>
-            <a:off x="1590675" y="5715000"/>
-            <a:ext cx="3181350" cy="3810000"/>
+            <a:off x="962025" y="1905000"/>
+            <a:ext cx="0" cy="3810000"/>
           </a:xfrm>
           <a:prstGeom prst="line">
             <a:avLst/>
@@ -905,14 +1217,14 @@
       </p:cxnSp>
       <p:cxnSp>
         <p:nvCxnSpPr>
-          <p:cNvPr id="20" name=""/>
+          <p:cNvPr id="26" name=""/>
           <p:cNvCxnSpPr/>
           <p:nvPr/>
         </p:nvCxnSpPr>
         <p:spPr>
           <a:xfrm>
-            <a:off x="1590675" y="1905000"/>
-            <a:ext cx="0" cy="3810000"/>
+            <a:off x="962025" y="1905000"/>
+            <a:ext cx="1924050" cy="3810000"/>
           </a:xfrm>
           <a:prstGeom prst="line">
             <a:avLst/>
@@ -932,14 +1244,203 @@
       </p:cxnSp>
       <p:cxnSp>
         <p:nvCxnSpPr>
-          <p:cNvPr id="21" name=""/>
+          <p:cNvPr id="27" name=""/>
           <p:cNvCxnSpPr/>
           <p:nvPr/>
         </p:nvCxnSpPr>
         <p:spPr>
+          <a:xfrm>
+            <a:off x="962025" y="1905000"/>
+            <a:ext cx="3848100" cy="3810000"/>
+          </a:xfrm>
+          <a:prstGeom prst="line">
+            <a:avLst/>
+          </a:prstGeom>
+          <a:ln w="12700" cap="flat" cmpd="sng" algn="ctr">
+            <a:solidFill>
+              <a:srgbClr val="000000">
+                <a:alpha val="100.00%"/>
+              </a:srgbClr>
+            </a:solidFill>
+            <a:prstDash val="solid"/>
+            <a:round/>
+            <a:headEnd type="none" w="med" len="med"/>
+            <a:tailEnd type="none" w="med" len="med"/>
+          </a:ln>
+        </p:spPr>
+      </p:cxnSp>
+      <p:cxnSp>
+        <p:nvCxnSpPr>
+          <p:cNvPr id="28" name=""/>
+          <p:cNvCxnSpPr/>
+          <p:nvPr/>
+        </p:nvCxnSpPr>
+        <p:spPr>
+          <a:xfrm>
+            <a:off x="962025" y="1905000"/>
+            <a:ext cx="5772150" cy="3810000"/>
+          </a:xfrm>
+          <a:prstGeom prst="line">
+            <a:avLst/>
+          </a:prstGeom>
+          <a:ln w="12700" cap="flat" cmpd="sng" algn="ctr">
+            <a:solidFill>
+              <a:srgbClr val="000000">
+                <a:alpha val="100.00%"/>
+              </a:srgbClr>
+            </a:solidFill>
+            <a:prstDash val="solid"/>
+            <a:round/>
+            <a:headEnd type="none" w="med" len="med"/>
+            <a:tailEnd type="none" w="med" len="med"/>
+          </a:ln>
+        </p:spPr>
+      </p:cxnSp>
+      <p:cxnSp>
+        <p:nvCxnSpPr>
+          <p:cNvPr id="29" name=""/>
+          <p:cNvCxnSpPr/>
+          <p:nvPr/>
+        </p:nvCxnSpPr>
+        <p:spPr>
+          <a:xfrm>
+            <a:off x="962025" y="1905000"/>
+            <a:ext cx="7696200" cy="3810000"/>
+          </a:xfrm>
+          <a:prstGeom prst="line">
+            <a:avLst/>
+          </a:prstGeom>
+          <a:ln w="12700" cap="flat" cmpd="sng" algn="ctr">
+            <a:solidFill>
+              <a:srgbClr val="000000">
+                <a:alpha val="100.00%"/>
+              </a:srgbClr>
+            </a:solidFill>
+            <a:prstDash val="solid"/>
+            <a:round/>
+            <a:headEnd type="none" w="med" len="med"/>
+            <a:tailEnd type="none" w="med" len="med"/>
+          </a:ln>
+        </p:spPr>
+      </p:cxnSp>
+      <p:cxnSp>
+        <p:nvCxnSpPr>
+          <p:cNvPr id="30" name=""/>
+          <p:cNvCxnSpPr/>
+          <p:nvPr/>
+        </p:nvCxnSpPr>
+        <p:spPr>
           <a:xfrm flipV="1">
-            <a:off x="1590675" y="1905000"/>
-            <a:ext cx="3181350" cy="7620000"/>
+            <a:off x="962025" y="5715000"/>
+            <a:ext cx="1924050" cy="3810000"/>
+          </a:xfrm>
+          <a:prstGeom prst="line">
+            <a:avLst/>
+          </a:prstGeom>
+          <a:ln w="12700" cap="flat" cmpd="sng" algn="ctr">
+            <a:solidFill>
+              <a:srgbClr val="000000">
+                <a:alpha val="100.00%"/>
+              </a:srgbClr>
+            </a:solidFill>
+            <a:prstDash val="solid"/>
+            <a:round/>
+            <a:headEnd type="none" w="med" len="med"/>
+            <a:tailEnd type="none" w="med" len="med"/>
+          </a:ln>
+        </p:spPr>
+      </p:cxnSp>
+      <p:cxnSp>
+        <p:nvCxnSpPr>
+          <p:cNvPr id="31" name=""/>
+          <p:cNvCxnSpPr/>
+          <p:nvPr/>
+        </p:nvCxnSpPr>
+        <p:spPr>
+          <a:xfrm>
+            <a:off x="2886075" y="5715000"/>
+            <a:ext cx="0" cy="3810000"/>
+          </a:xfrm>
+          <a:prstGeom prst="line">
+            <a:avLst/>
+          </a:prstGeom>
+          <a:ln w="12700" cap="flat" cmpd="sng" algn="ctr">
+            <a:solidFill>
+              <a:srgbClr val="000000">
+                <a:alpha val="100.00%"/>
+              </a:srgbClr>
+            </a:solidFill>
+            <a:prstDash val="solid"/>
+            <a:round/>
+            <a:headEnd type="none" w="med" len="med"/>
+            <a:tailEnd type="none" w="med" len="med"/>
+          </a:ln>
+        </p:spPr>
+      </p:cxnSp>
+      <p:cxnSp>
+        <p:nvCxnSpPr>
+          <p:cNvPr id="32" name=""/>
+          <p:cNvCxnSpPr/>
+          <p:nvPr/>
+        </p:nvCxnSpPr>
+        <p:spPr>
+          <a:xfrm>
+            <a:off x="4810125" y="5715000"/>
+            <a:ext cx="0" cy="3810000"/>
+          </a:xfrm>
+          <a:prstGeom prst="line">
+            <a:avLst/>
+          </a:prstGeom>
+          <a:ln w="12700" cap="flat" cmpd="sng" algn="ctr">
+            <a:solidFill>
+              <a:srgbClr val="000000">
+                <a:alpha val="100.00%"/>
+              </a:srgbClr>
+            </a:solidFill>
+            <a:prstDash val="solid"/>
+            <a:round/>
+            <a:headEnd type="none" w="med" len="med"/>
+            <a:tailEnd type="none" w="med" len="med"/>
+          </a:ln>
+        </p:spPr>
+      </p:cxnSp>
+      <p:cxnSp>
+        <p:nvCxnSpPr>
+          <p:cNvPr id="33" name=""/>
+          <p:cNvCxnSpPr/>
+          <p:nvPr/>
+        </p:nvCxnSpPr>
+        <p:spPr>
+          <a:xfrm>
+            <a:off x="4810125" y="5715000"/>
+            <a:ext cx="1924050" cy="3810000"/>
+          </a:xfrm>
+          <a:prstGeom prst="line">
+            <a:avLst/>
+          </a:prstGeom>
+          <a:ln w="12700" cap="flat" cmpd="sng" algn="ctr">
+            <a:solidFill>
+              <a:srgbClr val="000000">
+                <a:alpha val="100.00%"/>
+              </a:srgbClr>
+            </a:solidFill>
+            <a:prstDash val="solid"/>
+            <a:round/>
+            <a:headEnd type="none" w="med" len="med"/>
+            <a:tailEnd type="none" w="med" len="med"/>
+          </a:ln>
+        </p:spPr>
+      </p:cxnSp>
+      <p:cxnSp>
+        <p:nvCxnSpPr>
+          <p:cNvPr id="34" name=""/>
+          <p:cNvCxnSpPr/>
+          <p:nvPr/>
+        </p:nvCxnSpPr>
+        <p:spPr>
+          <a:xfrm>
+            <a:off x="6734175" y="5715000"/>
+            <a:ext cx="1924050" cy="3810000"/>
           </a:xfrm>
           <a:prstGeom prst="line">
             <a:avLst/>
@@ -966,9 +1467,9 @@
 </file>
 
 <file path=ppt/theme/theme1.xml><?xml version="1.0" encoding="utf-8"?>
-<a:theme xmlns:a="http://schemas.openxmlformats.org/drawingml/2006/main" name="Theme83">
+<a:theme xmlns:a="http://schemas.openxmlformats.org/drawingml/2006/main" name="Theme49">
   <a:themeElements>
-    <a:clrScheme name="Theme83">
+    <a:clrScheme name="Theme49">
       <a:dk1>
         <a:sysClr val="windowText" lastClr="000000"/>
       </a:dk1>
@@ -1006,7 +1507,7 @@
         <a:srgbClr val="800080"/>
       </a:folHlink>
     </a:clrScheme>
-    <a:fontScheme name="Theme83">
+    <a:fontScheme name="Theme49">
       <a:majorFont>
         <a:latin typeface="Calibri"/>
         <a:ea typeface=""/>
@@ -1076,7 +1577,7 @@
         <a:font script="Uigh" typeface="Microsoft Uighur"/>
       </a:minorFont>
     </a:fontScheme>
-    <a:fmtScheme name="Theme83">
+    <a:fmtScheme name="Theme49">
       <a:fillStyleLst>
         <a:solidFill>
           <a:schemeClr val="phClr"/>

--- a/phpoffice/results/organigrama.pptx
+++ b/phpoffice/results/organigrama.pptx
@@ -6,8 +6,11 @@
   </p:sldMasterIdLst>
   <p:sldIdLst>
     <p:sldId id="256" r:id="rId3"/>
+    <p:sldId id="257" r:id="rId4"/>
+    <p:sldId id="258" r:id="rId5"/>
+    <p:sldId id="259" r:id="rId6"/>
   </p:sldIdLst>
-  <p:sldSz cx="51119723" cy="14287500"/>
+  <p:sldSz cx="14287500" cy="13335000"/>
   <p:notesSz cx="6858000" cy="9144000"/>
   <p:defaultTextStyle>
     <a:defPPr>
@@ -161,7 +164,7 @@
   </p:cSld>
   <p:clrMap bg1="lt1" tx1="dk1" bg2="lt2" tx2="dk2" accent1="accent1" accent2="accent2" accent3="accent3" accent4="accent4" accent5="accent5" accent6="accent6" hlink="hlink" folHlink="folHlink"/>
   <p:sldLayoutIdLst>
-    <p:sldLayoutId id="2248907860" r:id="rId1"/>
+    <p:sldLayoutId id="2249478171" r:id="rId1"/>
   </p:sldLayoutIdLst>
   <p:txStyles>
     <p:titleStyle>
@@ -210,9 +213,9 @@
       <p:grpSpPr>
         <a:xfrm>
           <a:off x="-9525" y="-9525"/>
-          <a:ext cx="50920650" cy="14097000"/>
+          <a:ext cx="14097000" cy="13144500"/>
           <a:chOff x="-9525" y="-9525"/>
-          <a:chExt cx="50920650" cy="14097000"/>
+          <a:chExt cx="14097000" cy="13144500"/>
         </a:xfrm>
       </p:grpSpPr>
       <p:pic>
@@ -231,7 +234,7 @@
         </p:blipFill>
         <p:spPr>
           <a:xfrm>
-            <a:off x="49214723" y="285750"/>
+            <a:off x="12382500" y="285750"/>
             <a:ext cx="1685925" cy="381000"/>
           </a:xfrm>
           <a:prstGeom prst="rect">
@@ -272,7 +275,7 @@
         <p:spPr>
           <a:xfrm>
             <a:off x="190500" y="285750"/>
-            <a:ext cx="50730150" cy="0"/>
+            <a:ext cx="13906500" cy="0"/>
           </a:xfrm>
           <a:prstGeom prst="line">
             <a:avLst/>
@@ -298,8 +301,8 @@
         </p:nvCxnSpPr>
         <p:spPr>
           <a:xfrm>
-            <a:off x="190500" y="14097000"/>
-            <a:ext cx="50730150" cy="0"/>
+            <a:off x="190500" y="13144500"/>
+            <a:ext cx="13906500" cy="0"/>
           </a:xfrm>
           <a:prstGeom prst="line">
             <a:avLst/>
@@ -326,7 +329,7 @@
         <p:spPr>
           <a:xfrm>
             <a:off x="190500" y="285750"/>
-            <a:ext cx="0" cy="13811250"/>
+            <a:ext cx="0" cy="12858750"/>
           </a:xfrm>
           <a:prstGeom prst="line">
             <a:avLst/>
@@ -352,8 +355,8 @@
         </p:nvCxnSpPr>
         <p:spPr>
           <a:xfrm>
-            <a:off x="50920650" y="285750"/>
-            <a:ext cx="0" cy="13811250"/>
+            <a:off x="14097000" y="285750"/>
+            <a:ext cx="0" cy="12858750"/>
           </a:xfrm>
           <a:prstGeom prst="line">
             <a:avLst/>
@@ -380,7 +383,7 @@
         <p:spPr>
           <a:xfrm>
             <a:off x="571500" y="285750"/>
-            <a:ext cx="0" cy="13811250"/>
+            <a:ext cx="0" cy="12858750"/>
           </a:xfrm>
           <a:prstGeom prst="line">
             <a:avLst/>
@@ -406,7 +409,7 @@
         </p:nvSpPr>
         <p:spPr>
           <a:xfrm>
-            <a:off x="21469350" y="38100"/>
+            <a:off x="6000750" y="38100"/>
             <a:ext cx="2857500" cy="190500"/>
           </a:xfrm>
           <a:prstGeom prst="rect">
@@ -434,7 +437,7 @@
                 </a:solidFill>
                 <a:latin typeface="Calibri"/>
               </a:rPr>
-              <a:t><![CDATA[ORGANIGRAMA JERÁRQUICO]]></a:t>
+              <a:t><![CDATA[ORGANIGRAMA JERÁRQUICOS]]></a:t>
             </a:r>
           </a:p>
         </p:txBody>
@@ -447,7 +450,7 @@
         </p:nvSpPr>
         <p:spPr>
           <a:xfrm>
-            <a:off x="95250" y="1190625"/>
+            <a:off x="95250" y="1666875"/>
             <a:ext cx="571500" cy="571500"/>
           </a:xfrm>
           <a:prstGeom prst="rect">
@@ -475,7 +478,7 @@
                 </a:solidFill>
                 <a:latin typeface="Calibri"/>
               </a:rPr>
-              <a:t/>
+              <a:t><![CDATA[I]]></a:t>
             </a:r>
           </a:p>
         </p:txBody>
@@ -488,8 +491,8 @@
         </p:nvCxnSpPr>
         <p:spPr>
           <a:xfrm>
-            <a:off x="190500" y="2381250"/>
-            <a:ext cx="50730150" cy="0"/>
+            <a:off x="190500" y="3333750"/>
+            <a:ext cx="13906500" cy="0"/>
           </a:xfrm>
           <a:prstGeom prst="line">
             <a:avLst/>
@@ -515,7 +518,7 @@
         </p:nvSpPr>
         <p:spPr>
           <a:xfrm>
-            <a:off x="95250" y="3571875"/>
+            <a:off x="95250" y="5000625"/>
             <a:ext cx="571500" cy="571500"/>
           </a:xfrm>
           <a:prstGeom prst="rect">
@@ -543,7 +546,7 @@
                 </a:solidFill>
                 <a:latin typeface="Calibri"/>
               </a:rPr>
-              <a:t><![CDATA[I]]></a:t>
+              <a:t><![CDATA[II]]></a:t>
             </a:r>
           </a:p>
         </p:txBody>
@@ -556,8 +559,8 @@
         </p:nvCxnSpPr>
         <p:spPr>
           <a:xfrm>
-            <a:off x="190500" y="4762500"/>
-            <a:ext cx="50730150" cy="0"/>
+            <a:off x="190500" y="6667500"/>
+            <a:ext cx="13906500" cy="0"/>
           </a:xfrm>
           <a:prstGeom prst="line">
             <a:avLst/>
@@ -583,7 +586,7 @@
         </p:nvSpPr>
         <p:spPr>
           <a:xfrm>
-            <a:off x="95250" y="5953125"/>
+            <a:off x="95250" y="8334375"/>
             <a:ext cx="571500" cy="571500"/>
           </a:xfrm>
           <a:prstGeom prst="rect">
@@ -611,7 +614,7 @@
                 </a:solidFill>
                 <a:latin typeface="Calibri"/>
               </a:rPr>
-              <a:t><![CDATA[II]]></a:t>
+              <a:t><![CDATA[III]]></a:t>
             </a:r>
           </a:p>
         </p:txBody>
@@ -624,8 +627,8 @@
         </p:nvCxnSpPr>
         <p:spPr>
           <a:xfrm>
-            <a:off x="190500" y="7143750"/>
-            <a:ext cx="50730150" cy="0"/>
+            <a:off x="190500" y="10001250"/>
+            <a:ext cx="13906500" cy="0"/>
           </a:xfrm>
           <a:prstGeom prst="line">
             <a:avLst/>
@@ -646,6 +649,640 @@
       <p:sp>
         <p:nvSpPr>
           <p:cNvPr id="15" name=""/>
+          <p:cNvSpPr txBox="1"/>
+          <p:nvPr/>
+        </p:nvSpPr>
+        <p:spPr>
+          <a:xfrm>
+            <a:off x="95250" y="11668125"/>
+            <a:ext cx="571500" cy="571500"/>
+          </a:xfrm>
+          <a:prstGeom prst="rect">
+            <a:avLst/>
+          </a:prstGeom>
+          <a:noFill/>
+        </p:spPr>
+        <p:txBody>
+          <a:bodyPr rtlCol="0" bIns="45720" lIns="91440" rIns="91440" tIns="45720">
+            <a:spAutoFit/>
+          </a:bodyPr>
+          <a:lstStyle/>
+          <a:p>
+            <a:pPr algn="ctr" fontAlgn="base" marL="0" marR="0" indent="0" lvl="0">
+              <a:lnSpc>
+                <a:spcPct val="100%"/>
+              </a:lnSpc>
+            </a:pPr>
+            <a:r>
+              <a:rPr lang="en-US" b="1" sz="1800" spc="0" u="none">
+                <a:solidFill>
+                  <a:srgbClr val="000000">
+                    <a:alpha val="100.00%"/>
+                  </a:srgbClr>
+                </a:solidFill>
+                <a:latin typeface="Calibri"/>
+              </a:rPr>
+              <a:t><![CDATA[IV]]></a:t>
+            </a:r>
+          </a:p>
+        </p:txBody>
+      </p:sp>
+      <p:sp>
+        <p:nvSpPr>
+          <p:cNvPr id="16" name=""/>
+          <p:cNvSpPr txBox="1"/>
+          <p:nvPr/>
+        </p:nvSpPr>
+        <p:spPr>
+          <a:xfrm>
+            <a:off x="666750" y="809625"/>
+            <a:ext cx="1238250" cy="762000"/>
+          </a:xfrm>
+          <a:prstGeom prst="rect">
+            <a:avLst/>
+          </a:prstGeom>
+          <a:noFill/>
+          <a:ln w="25400" cap="flat" cmpd="sng" algn="ctr">
+            <a:solidFill>
+              <a:srgbClr val="000000">
+                <a:alpha val="100.00%"/>
+              </a:srgbClr>
+            </a:solidFill>
+            <a:prstDash val="solid"/>
+            <a:round/>
+            <a:headEnd type="none" w="med" len="med"/>
+            <a:tailEnd type="none" w="med" len="med"/>
+          </a:ln>
+        </p:spPr>
+        <p:txBody>
+          <a:bodyPr rtlCol="0" bIns="45720" lIns="91440" rIns="91440" tIns="45720">
+            <a:spAutoFit/>
+          </a:bodyPr>
+          <a:lstStyle/>
+          <a:p>
+            <a:pPr algn="ctr" fontAlgn="base" marL="0" marR="0" indent="0" lvl="0">
+              <a:lnSpc>
+                <a:spcPct val="100%"/>
+              </a:lnSpc>
+            </a:pPr>
+            <a:r>
+              <a:rPr lang="en-US" b="1" sz="900" spc="0" u="none">
+                <a:solidFill>
+                  <a:srgbClr val="000000">
+                    <a:alpha val="100.00%"/>
+                  </a:srgbClr>
+                </a:solidFill>
+                <a:latin typeface="Calibri"/>
+              </a:rPr>
+              <a:t><![CDATA[GERENCIA OPERACIONES RED]]></a:t>
+            </a:r>
+          </a:p>
+        </p:txBody>
+      </p:sp>
+      <p:sp>
+        <p:nvSpPr>
+          <p:cNvPr id="17" name=""/>
+          <p:cNvSpPr txBox="1"/>
+          <p:nvPr/>
+        </p:nvSpPr>
+        <p:spPr>
+          <a:xfrm>
+            <a:off x="666750" y="5295900"/>
+            <a:ext cx="1238250" cy="762000"/>
+          </a:xfrm>
+          <a:prstGeom prst="rect">
+            <a:avLst/>
+          </a:prstGeom>
+          <a:noFill/>
+          <a:ln w="25400" cap="flat" cmpd="sng" algn="ctr">
+            <a:solidFill>
+              <a:srgbClr val="000000">
+                <a:alpha val="100.00%"/>
+              </a:srgbClr>
+            </a:solidFill>
+            <a:prstDash val="solid"/>
+            <a:round/>
+            <a:headEnd type="none" w="med" len="med"/>
+            <a:tailEnd type="none" w="med" len="med"/>
+          </a:ln>
+        </p:spPr>
+        <p:txBody>
+          <a:bodyPr rtlCol="0" bIns="45720" lIns="91440" rIns="91440" tIns="45720">
+            <a:spAutoFit/>
+          </a:bodyPr>
+          <a:lstStyle/>
+          <a:p>
+            <a:pPr algn="ctr" fontAlgn="base" marL="0" marR="0" indent="0" lvl="0">
+              <a:lnSpc>
+                <a:spcPct val="100%"/>
+              </a:lnSpc>
+            </a:pPr>
+            <a:r>
+              <a:rPr lang="en-US" b="1" sz="900" spc="0" u="none">
+                <a:solidFill>
+                  <a:srgbClr val="000000">
+                    <a:alpha val="100.00%"/>
+                  </a:srgbClr>
+                </a:solidFill>
+                <a:latin typeface="Calibri"/>
+              </a:rPr>
+              <a:t><![CDATA[GESTION DE ACTIVA, CONTROL DE RED Y APLICACIONES AVANZADAS]]></a:t>
+            </a:r>
+          </a:p>
+        </p:txBody>
+      </p:sp>
+      <p:sp>
+        <p:nvSpPr>
+          <p:cNvPr id="18" name=""/>
+          <p:cNvSpPr txBox="1"/>
+          <p:nvPr/>
+        </p:nvSpPr>
+        <p:spPr>
+          <a:xfrm>
+            <a:off x="2000250" y="5295900"/>
+            <a:ext cx="1238250" cy="762000"/>
+          </a:xfrm>
+          <a:prstGeom prst="rect">
+            <a:avLst/>
+          </a:prstGeom>
+          <a:noFill/>
+          <a:ln w="25400" cap="flat" cmpd="sng" algn="ctr">
+            <a:solidFill>
+              <a:srgbClr val="000000">
+                <a:alpha val="100.00%"/>
+              </a:srgbClr>
+            </a:solidFill>
+            <a:prstDash val="solid"/>
+            <a:round/>
+            <a:headEnd type="none" w="med" len="med"/>
+            <a:tailEnd type="none" w="med" len="med"/>
+          </a:ln>
+        </p:spPr>
+        <p:txBody>
+          <a:bodyPr rtlCol="0" bIns="45720" lIns="91440" rIns="91440" tIns="45720">
+            <a:spAutoFit/>
+          </a:bodyPr>
+          <a:lstStyle/>
+          <a:p>
+            <a:pPr algn="ctr" fontAlgn="base" marL="0" marR="0" indent="0" lvl="0">
+              <a:lnSpc>
+                <a:spcPct val="100%"/>
+              </a:lnSpc>
+            </a:pPr>
+            <a:r>
+              <a:rPr lang="en-US" b="1" sz="900" spc="0" u="none">
+                <a:solidFill>
+                  <a:srgbClr val="000000">
+                    <a:alpha val="100.00%"/>
+                  </a:srgbClr>
+                </a:solidFill>
+                <a:latin typeface="Calibri"/>
+              </a:rPr>
+              <a:t><![CDATA[PLANIFICACION Y SEGUIMIENTO DE LA EXPLOTACION]]></a:t>
+            </a:r>
+          </a:p>
+        </p:txBody>
+      </p:sp>
+      <p:sp>
+        <p:nvSpPr>
+          <p:cNvPr id="19" name=""/>
+          <p:cNvSpPr txBox="1"/>
+          <p:nvPr/>
+        </p:nvSpPr>
+        <p:spPr>
+          <a:xfrm>
+            <a:off x="3333750" y="5295900"/>
+            <a:ext cx="1238250" cy="762000"/>
+          </a:xfrm>
+          <a:prstGeom prst="rect">
+            <a:avLst/>
+          </a:prstGeom>
+          <a:noFill/>
+          <a:ln w="25400" cap="flat" cmpd="sng" algn="ctr">
+            <a:solidFill>
+              <a:srgbClr val="000000">
+                <a:alpha val="100.00%"/>
+              </a:srgbClr>
+            </a:solidFill>
+            <a:prstDash val="solid"/>
+            <a:round/>
+            <a:headEnd type="none" w="med" len="med"/>
+            <a:tailEnd type="none" w="med" len="med"/>
+          </a:ln>
+        </p:spPr>
+        <p:txBody>
+          <a:bodyPr rtlCol="0" bIns="45720" lIns="91440" rIns="91440" tIns="45720">
+            <a:spAutoFit/>
+          </a:bodyPr>
+          <a:lstStyle/>
+          <a:p>
+            <a:pPr algn="ctr" fontAlgn="base" marL="0" marR="0" indent="0" lvl="0">
+              <a:lnSpc>
+                <a:spcPct val="100%"/>
+              </a:lnSpc>
+            </a:pPr>
+            <a:r>
+              <a:rPr lang="en-US" b="1" sz="900" spc="0" u="none">
+                <a:solidFill>
+                  <a:srgbClr val="000000">
+                    <a:alpha val="100.00%"/>
+                  </a:srgbClr>
+                </a:solidFill>
+                <a:latin typeface="Calibri"/>
+              </a:rPr>
+              <a:t><![CDATA[CENTRO DE OPERACION DE RED]]></a:t>
+            </a:r>
+          </a:p>
+        </p:txBody>
+      </p:sp>
+    </p:spTree>
+  </p:cSld>
+  <p:clrMapOvr>
+    <a:masterClrMapping/>
+  </p:clrMapOvr>
+</p:sld>
+</file>
+
+<file path=ppt/slides/slide2.xml><?xml version="1.0" encoding="utf-8"?>
+<p:sld xmlns:a="http://schemas.openxmlformats.org/drawingml/2006/main" xmlns:r="http://schemas.openxmlformats.org/officeDocument/2006/relationships" xmlns:p="http://schemas.openxmlformats.org/presentationml/2006/main">
+  <p:cSld>
+    <p:spTree>
+      <p:nvGrpSpPr>
+        <p:cNvPr id="1" name=""/>
+        <p:cNvGrpSpPr/>
+        <p:nvPr/>
+      </p:nvGrpSpPr>
+      <p:grpSpPr>
+        <a:xfrm>
+          <a:off x="-9525" y="-9525"/>
+          <a:ext cx="14097000" cy="13144500"/>
+          <a:chOff x="-9525" y="-9525"/>
+          <a:chExt cx="14097000" cy="13144500"/>
+        </a:xfrm>
+      </p:grpSpPr>
+      <p:pic>
+        <p:nvPicPr>
+          <p:cNvPr id="1" name="ECA logo" descr="ECA logo"/>
+          <p:cNvPicPr>
+            <a:picLocks noChangeAspect="1"/>
+          </p:cNvPicPr>
+          <p:nvPr/>
+        </p:nvPicPr>
+        <p:blipFill>
+          <a:blip r:embed="rId2"/>
+          <a:stretch>
+            <a:fillRect/>
+          </a:stretch>
+        </p:blipFill>
+        <p:spPr>
+          <a:xfrm>
+            <a:off x="12382500" y="285750"/>
+            <a:ext cx="1685925" cy="381000"/>
+          </a:xfrm>
+          <a:prstGeom prst="rect">
+            <a:avLst/>
+          </a:prstGeom>
+        </p:spPr>
+      </p:pic>
+      <p:pic>
+        <p:nvPicPr>
+          <p:cNvPr id="2" name="ECA LATERAL" descr="ECA LATERAL"/>
+          <p:cNvPicPr>
+            <a:picLocks noChangeAspect="1"/>
+          </p:cNvPicPr>
+          <p:nvPr/>
+        </p:nvPicPr>
+        <p:blipFill>
+          <a:blip r:embed="rId3"/>
+          <a:stretch>
+            <a:fillRect/>
+          </a:stretch>
+        </p:blipFill>
+        <p:spPr>
+          <a:xfrm>
+            <a:off x="-9525" y="-9525"/>
+            <a:ext cx="180975" cy="5715000"/>
+          </a:xfrm>
+          <a:prstGeom prst="rect">
+            <a:avLst/>
+          </a:prstGeom>
+        </p:spPr>
+      </p:pic>
+      <p:cxnSp>
+        <p:nvCxnSpPr>
+          <p:cNvPr id="3" name=""/>
+          <p:cNvCxnSpPr/>
+          <p:nvPr/>
+        </p:nvCxnSpPr>
+        <p:spPr>
+          <a:xfrm>
+            <a:off x="190500" y="285750"/>
+            <a:ext cx="13906500" cy="0"/>
+          </a:xfrm>
+          <a:prstGeom prst="line">
+            <a:avLst/>
+          </a:prstGeom>
+          <a:ln w="12700" cap="flat" cmpd="sng" algn="ctr">
+            <a:solidFill>
+              <a:srgbClr val="000080">
+                <a:alpha val="100.00%"/>
+              </a:srgbClr>
+            </a:solidFill>
+            <a:prstDash val="solid"/>
+            <a:round/>
+            <a:headEnd type="none" w="med" len="med"/>
+            <a:tailEnd type="none" w="med" len="med"/>
+          </a:ln>
+        </p:spPr>
+      </p:cxnSp>
+      <p:cxnSp>
+        <p:nvCxnSpPr>
+          <p:cNvPr id="4" name=""/>
+          <p:cNvCxnSpPr/>
+          <p:nvPr/>
+        </p:nvCxnSpPr>
+        <p:spPr>
+          <a:xfrm>
+            <a:off x="190500" y="13144500"/>
+            <a:ext cx="13906500" cy="0"/>
+          </a:xfrm>
+          <a:prstGeom prst="line">
+            <a:avLst/>
+          </a:prstGeom>
+          <a:ln w="12700" cap="flat" cmpd="sng" algn="ctr">
+            <a:solidFill>
+              <a:srgbClr val="000080">
+                <a:alpha val="100.00%"/>
+              </a:srgbClr>
+            </a:solidFill>
+            <a:prstDash val="solid"/>
+            <a:round/>
+            <a:headEnd type="none" w="med" len="med"/>
+            <a:tailEnd type="none" w="med" len="med"/>
+          </a:ln>
+        </p:spPr>
+      </p:cxnSp>
+      <p:cxnSp>
+        <p:nvCxnSpPr>
+          <p:cNvPr id="5" name=""/>
+          <p:cNvCxnSpPr/>
+          <p:nvPr/>
+        </p:nvCxnSpPr>
+        <p:spPr>
+          <a:xfrm>
+            <a:off x="190500" y="285750"/>
+            <a:ext cx="0" cy="12858750"/>
+          </a:xfrm>
+          <a:prstGeom prst="line">
+            <a:avLst/>
+          </a:prstGeom>
+          <a:ln w="12700" cap="flat" cmpd="sng" algn="ctr">
+            <a:solidFill>
+              <a:srgbClr val="000080">
+                <a:alpha val="100.00%"/>
+              </a:srgbClr>
+            </a:solidFill>
+            <a:prstDash val="solid"/>
+            <a:round/>
+            <a:headEnd type="none" w="med" len="med"/>
+            <a:tailEnd type="none" w="med" len="med"/>
+          </a:ln>
+        </p:spPr>
+      </p:cxnSp>
+      <p:cxnSp>
+        <p:nvCxnSpPr>
+          <p:cNvPr id="6" name=""/>
+          <p:cNvCxnSpPr/>
+          <p:nvPr/>
+        </p:nvCxnSpPr>
+        <p:spPr>
+          <a:xfrm>
+            <a:off x="14097000" y="285750"/>
+            <a:ext cx="0" cy="12858750"/>
+          </a:xfrm>
+          <a:prstGeom prst="line">
+            <a:avLst/>
+          </a:prstGeom>
+          <a:ln w="12700" cap="flat" cmpd="sng" algn="ctr">
+            <a:solidFill>
+              <a:srgbClr val="000080">
+                <a:alpha val="100.00%"/>
+              </a:srgbClr>
+            </a:solidFill>
+            <a:prstDash val="solid"/>
+            <a:round/>
+            <a:headEnd type="none" w="med" len="med"/>
+            <a:tailEnd type="none" w="med" len="med"/>
+          </a:ln>
+        </p:spPr>
+      </p:cxnSp>
+      <p:cxnSp>
+        <p:nvCxnSpPr>
+          <p:cNvPr id="7" name=""/>
+          <p:cNvCxnSpPr/>
+          <p:nvPr/>
+        </p:nvCxnSpPr>
+        <p:spPr>
+          <a:xfrm>
+            <a:off x="571500" y="285750"/>
+            <a:ext cx="0" cy="12858750"/>
+          </a:xfrm>
+          <a:prstGeom prst="line">
+            <a:avLst/>
+          </a:prstGeom>
+          <a:ln w="12700" cap="flat" cmpd="sng" algn="ctr">
+            <a:solidFill>
+              <a:srgbClr val="000080">
+                <a:alpha val="100.00%"/>
+              </a:srgbClr>
+            </a:solidFill>
+            <a:prstDash val="solid"/>
+            <a:round/>
+            <a:headEnd type="none" w="med" len="med"/>
+            <a:tailEnd type="none" w="med" len="med"/>
+          </a:ln>
+        </p:spPr>
+      </p:cxnSp>
+      <p:sp>
+        <p:nvSpPr>
+          <p:cNvPr id="8" name=""/>
+          <p:cNvSpPr txBox="1"/>
+          <p:nvPr/>
+        </p:nvSpPr>
+        <p:spPr>
+          <a:xfrm>
+            <a:off x="6000750" y="38100"/>
+            <a:ext cx="2857500" cy="190500"/>
+          </a:xfrm>
+          <a:prstGeom prst="rect">
+            <a:avLst/>
+          </a:prstGeom>
+          <a:noFill/>
+        </p:spPr>
+        <p:txBody>
+          <a:bodyPr rtlCol="0" bIns="45720" lIns="91440" rIns="91440" tIns="45720">
+            <a:spAutoFit/>
+          </a:bodyPr>
+          <a:lstStyle/>
+          <a:p>
+            <a:pPr algn="ctr" fontAlgn="base" marL="0" marR="0" indent="0" lvl="0">
+              <a:lnSpc>
+                <a:spcPct val="100%"/>
+              </a:lnSpc>
+            </a:pPr>
+            <a:r>
+              <a:rPr lang="en-US" b="1" sz="1600" spc="0" u="none">
+                <a:solidFill>
+                  <a:srgbClr val="000000">
+                    <a:alpha val="100.00%"/>
+                  </a:srgbClr>
+                </a:solidFill>
+                <a:latin typeface="Calibri"/>
+              </a:rPr>
+              <a:t><![CDATA[ORGANIGRAMA JERÁRQUICOS]]></a:t>
+            </a:r>
+          </a:p>
+        </p:txBody>
+      </p:sp>
+      <p:sp>
+        <p:nvSpPr>
+          <p:cNvPr id="9" name=""/>
+          <p:cNvSpPr txBox="1"/>
+          <p:nvPr/>
+        </p:nvSpPr>
+        <p:spPr>
+          <a:xfrm>
+            <a:off x="95250" y="1666875"/>
+            <a:ext cx="571500" cy="571500"/>
+          </a:xfrm>
+          <a:prstGeom prst="rect">
+            <a:avLst/>
+          </a:prstGeom>
+          <a:noFill/>
+        </p:spPr>
+        <p:txBody>
+          <a:bodyPr rtlCol="0" bIns="45720" lIns="91440" rIns="91440" tIns="45720">
+            <a:spAutoFit/>
+          </a:bodyPr>
+          <a:lstStyle/>
+          <a:p>
+            <a:pPr algn="ctr" fontAlgn="base" marL="0" marR="0" indent="0" lvl="0">
+              <a:lnSpc>
+                <a:spcPct val="100%"/>
+              </a:lnSpc>
+            </a:pPr>
+            <a:r>
+              <a:rPr lang="en-US" b="1" sz="1800" spc="0" u="none">
+                <a:solidFill>
+                  <a:srgbClr val="000000">
+                    <a:alpha val="100.00%"/>
+                  </a:srgbClr>
+                </a:solidFill>
+                <a:latin typeface="Calibri"/>
+              </a:rPr>
+              <a:t><![CDATA[I]]></a:t>
+            </a:r>
+          </a:p>
+        </p:txBody>
+      </p:sp>
+      <p:cxnSp>
+        <p:nvCxnSpPr>
+          <p:cNvPr id="10" name=""/>
+          <p:cNvCxnSpPr/>
+          <p:nvPr/>
+        </p:nvCxnSpPr>
+        <p:spPr>
+          <a:xfrm>
+            <a:off x="190500" y="3333750"/>
+            <a:ext cx="13906500" cy="0"/>
+          </a:xfrm>
+          <a:prstGeom prst="line">
+            <a:avLst/>
+          </a:prstGeom>
+          <a:ln w="12700" cap="flat" cmpd="sng" algn="ctr">
+            <a:solidFill>
+              <a:srgbClr val="000080">
+                <a:alpha val="100.00%"/>
+              </a:srgbClr>
+            </a:solidFill>
+            <a:prstDash val="solid"/>
+            <a:round/>
+            <a:headEnd type="none" w="med" len="med"/>
+            <a:tailEnd type="none" w="med" len="med"/>
+          </a:ln>
+        </p:spPr>
+      </p:cxnSp>
+      <p:sp>
+        <p:nvSpPr>
+          <p:cNvPr id="11" name=""/>
+          <p:cNvSpPr txBox="1"/>
+          <p:nvPr/>
+        </p:nvSpPr>
+        <p:spPr>
+          <a:xfrm>
+            <a:off x="95250" y="5000625"/>
+            <a:ext cx="571500" cy="571500"/>
+          </a:xfrm>
+          <a:prstGeom prst="rect">
+            <a:avLst/>
+          </a:prstGeom>
+          <a:noFill/>
+        </p:spPr>
+        <p:txBody>
+          <a:bodyPr rtlCol="0" bIns="45720" lIns="91440" rIns="91440" tIns="45720">
+            <a:spAutoFit/>
+          </a:bodyPr>
+          <a:lstStyle/>
+          <a:p>
+            <a:pPr algn="ctr" fontAlgn="base" marL="0" marR="0" indent="0" lvl="0">
+              <a:lnSpc>
+                <a:spcPct val="100%"/>
+              </a:lnSpc>
+            </a:pPr>
+            <a:r>
+              <a:rPr lang="en-US" b="1" sz="1800" spc="0" u="none">
+                <a:solidFill>
+                  <a:srgbClr val="000000">
+                    <a:alpha val="100.00%"/>
+                  </a:srgbClr>
+                </a:solidFill>
+                <a:latin typeface="Calibri"/>
+              </a:rPr>
+              <a:t><![CDATA[II]]></a:t>
+            </a:r>
+          </a:p>
+        </p:txBody>
+      </p:sp>
+      <p:cxnSp>
+        <p:nvCxnSpPr>
+          <p:cNvPr id="12" name=""/>
+          <p:cNvCxnSpPr/>
+          <p:nvPr/>
+        </p:nvCxnSpPr>
+        <p:spPr>
+          <a:xfrm>
+            <a:off x="190500" y="6667500"/>
+            <a:ext cx="13906500" cy="0"/>
+          </a:xfrm>
+          <a:prstGeom prst="line">
+            <a:avLst/>
+          </a:prstGeom>
+          <a:ln w="12700" cap="flat" cmpd="sng" algn="ctr">
+            <a:solidFill>
+              <a:srgbClr val="000080">
+                <a:alpha val="100.00%"/>
+              </a:srgbClr>
+            </a:solidFill>
+            <a:prstDash val="solid"/>
+            <a:round/>
+            <a:headEnd type="none" w="med" len="med"/>
+            <a:tailEnd type="none" w="med" len="med"/>
+          </a:ln>
+        </p:spPr>
+      </p:cxnSp>
+      <p:sp>
+        <p:nvSpPr>
+          <p:cNvPr id="13" name=""/>
           <p:cNvSpPr txBox="1"/>
           <p:nvPr/>
         </p:nvSpPr>
@@ -686,31 +1323,124 @@
       </p:sp>
       <p:cxnSp>
         <p:nvCxnSpPr>
+          <p:cNvPr id="14" name=""/>
+          <p:cNvCxnSpPr/>
+          <p:nvPr/>
+        </p:nvCxnSpPr>
+        <p:spPr>
+          <a:xfrm>
+            <a:off x="190500" y="10001250"/>
+            <a:ext cx="13906500" cy="0"/>
+          </a:xfrm>
+          <a:prstGeom prst="line">
+            <a:avLst/>
+          </a:prstGeom>
+          <a:ln w="12700" cap="flat" cmpd="sng" algn="ctr">
+            <a:solidFill>
+              <a:srgbClr val="000080">
+                <a:alpha val="100.00%"/>
+              </a:srgbClr>
+            </a:solidFill>
+            <a:prstDash val="solid"/>
+            <a:round/>
+            <a:headEnd type="none" w="med" len="med"/>
+            <a:tailEnd type="none" w="med" len="med"/>
+          </a:ln>
+        </p:spPr>
+      </p:cxnSp>
+      <p:sp>
+        <p:nvSpPr>
+          <p:cNvPr id="15" name=""/>
+          <p:cNvSpPr txBox="1"/>
+          <p:nvPr/>
+        </p:nvSpPr>
+        <p:spPr>
+          <a:xfrm>
+            <a:off x="95250" y="11668125"/>
+            <a:ext cx="571500" cy="571500"/>
+          </a:xfrm>
+          <a:prstGeom prst="rect">
+            <a:avLst/>
+          </a:prstGeom>
+          <a:noFill/>
+        </p:spPr>
+        <p:txBody>
+          <a:bodyPr rtlCol="0" bIns="45720" lIns="91440" rIns="91440" tIns="45720">
+            <a:spAutoFit/>
+          </a:bodyPr>
+          <a:lstStyle/>
+          <a:p>
+            <a:pPr algn="ctr" fontAlgn="base" marL="0" marR="0" indent="0" lvl="0">
+              <a:lnSpc>
+                <a:spcPct val="100%"/>
+              </a:lnSpc>
+            </a:pPr>
+            <a:r>
+              <a:rPr lang="en-US" b="1" sz="1800" spc="0" u="none">
+                <a:solidFill>
+                  <a:srgbClr val="000000">
+                    <a:alpha val="100.00%"/>
+                  </a:srgbClr>
+                </a:solidFill>
+                <a:latin typeface="Calibri"/>
+              </a:rPr>
+              <a:t><![CDATA[IV]]></a:t>
+            </a:r>
+          </a:p>
+        </p:txBody>
+      </p:sp>
+      <p:sp>
+        <p:nvSpPr>
           <p:cNvPr id="16" name=""/>
-          <p:cNvCxnSpPr/>
-          <p:nvPr/>
-        </p:nvCxnSpPr>
-        <p:spPr>
-          <a:xfrm>
-            <a:off x="190500" y="9525000"/>
-            <a:ext cx="50730150" cy="0"/>
-          </a:xfrm>
-          <a:prstGeom prst="line">
-            <a:avLst/>
-          </a:prstGeom>
-          <a:ln w="12700" cap="flat" cmpd="sng" algn="ctr">
-            <a:solidFill>
-              <a:srgbClr val="000080">
-                <a:alpha val="100.00%"/>
-              </a:srgbClr>
-            </a:solidFill>
-            <a:prstDash val="solid"/>
-            <a:round/>
-            <a:headEnd type="none" w="med" len="med"/>
-            <a:tailEnd type="none" w="med" len="med"/>
-          </a:ln>
-        </p:spPr>
-      </p:cxnSp>
+          <p:cNvSpPr txBox="1"/>
+          <p:nvPr/>
+        </p:nvSpPr>
+        <p:spPr>
+          <a:xfrm>
+            <a:off x="666750" y="4143375"/>
+            <a:ext cx="1238250" cy="762000"/>
+          </a:xfrm>
+          <a:prstGeom prst="rect">
+            <a:avLst/>
+          </a:prstGeom>
+          <a:noFill/>
+          <a:ln w="25400" cap="flat" cmpd="sng" algn="ctr">
+            <a:solidFill>
+              <a:srgbClr val="000000">
+                <a:alpha val="100.00%"/>
+              </a:srgbClr>
+            </a:solidFill>
+            <a:prstDash val="solid"/>
+            <a:round/>
+            <a:headEnd type="none" w="med" len="med"/>
+            <a:tailEnd type="none" w="med" len="med"/>
+          </a:ln>
+        </p:spPr>
+        <p:txBody>
+          <a:bodyPr rtlCol="0" bIns="45720" lIns="91440" rIns="91440" tIns="45720">
+            <a:spAutoFit/>
+          </a:bodyPr>
+          <a:lstStyle/>
+          <a:p>
+            <a:pPr algn="ctr" fontAlgn="base" marL="0" marR="0" indent="0" lvl="0">
+              <a:lnSpc>
+                <a:spcPct val="100%"/>
+              </a:lnSpc>
+            </a:pPr>
+            <a:r>
+              <a:rPr lang="en-US" b="1" sz="900" spc="0" u="none">
+                <a:solidFill>
+                  <a:srgbClr val="000000">
+                    <a:alpha val="100.00%"/>
+                  </a:srgbClr>
+                </a:solidFill>
+                <a:latin typeface="Calibri"/>
+              </a:rPr>
+              <a:t><![CDATA[GESTION DE ACTIVA, CONTROL DE RED Y APLICACIONES AVANZADAS]]></a:t>
+            </a:r>
+          </a:p>
+        </p:txBody>
+      </p:sp>
       <p:sp>
         <p:nvSpPr>
           <p:cNvPr id="17" name=""/>
@@ -719,49 +1449,835 @@
         </p:nvSpPr>
         <p:spPr>
           <a:xfrm>
-            <a:off x="95250" y="10715625"/>
-            <a:ext cx="571500" cy="571500"/>
-          </a:xfrm>
-          <a:prstGeom prst="rect">
-            <a:avLst/>
-          </a:prstGeom>
-          <a:noFill/>
-        </p:spPr>
-        <p:txBody>
-          <a:bodyPr rtlCol="0" bIns="45720" lIns="91440" rIns="91440" tIns="45720">
-            <a:spAutoFit/>
-          </a:bodyPr>
-          <a:lstStyle/>
-          <a:p>
-            <a:pPr algn="ctr" fontAlgn="base" marL="0" marR="0" indent="0" lvl="0">
-              <a:lnSpc>
-                <a:spcPct val="100%"/>
-              </a:lnSpc>
-            </a:pPr>
-            <a:r>
-              <a:rPr lang="en-US" b="1" sz="1800" spc="0" u="none">
-                <a:solidFill>
-                  <a:srgbClr val="000000">
-                    <a:alpha val="100.00%"/>
-                  </a:srgbClr>
-                </a:solidFill>
-                <a:latin typeface="Calibri"/>
-              </a:rPr>
-              <a:t><![CDATA[IV]]></a:t>
-            </a:r>
-          </a:p>
-        </p:txBody>
-      </p:sp>
+            <a:off x="666750" y="8629650"/>
+            <a:ext cx="1238250" cy="762000"/>
+          </a:xfrm>
+          <a:prstGeom prst="rect">
+            <a:avLst/>
+          </a:prstGeom>
+          <a:noFill/>
+          <a:ln w="25400" cap="flat" cmpd="sng" algn="ctr">
+            <a:solidFill>
+              <a:srgbClr val="000000">
+                <a:alpha val="100.00%"/>
+              </a:srgbClr>
+            </a:solidFill>
+            <a:prstDash val="solid"/>
+            <a:round/>
+            <a:headEnd type="none" w="med" len="med"/>
+            <a:tailEnd type="none" w="med" len="med"/>
+          </a:ln>
+        </p:spPr>
+        <p:txBody>
+          <a:bodyPr rtlCol="0" bIns="45720" lIns="91440" rIns="91440" tIns="45720">
+            <a:spAutoFit/>
+          </a:bodyPr>
+          <a:lstStyle/>
+          <a:p>
+            <a:pPr algn="ctr" fontAlgn="base" marL="0" marR="0" indent="0" lvl="0">
+              <a:lnSpc>
+                <a:spcPct val="100%"/>
+              </a:lnSpc>
+            </a:pPr>
+            <a:r>
+              <a:rPr lang="en-US" b="1" sz="900" spc="0" u="none">
+                <a:solidFill>
+                  <a:srgbClr val="000000">
+                    <a:alpha val="100.00%"/>
+                  </a:srgbClr>
+                </a:solidFill>
+                <a:latin typeface="Calibri"/>
+              </a:rPr>
+              <a:t><![CDATA[ANALISTA TELEPROCESOS]]></a:t>
+            </a:r>
+          </a:p>
+        </p:txBody>
+      </p:sp>
+    </p:spTree>
+  </p:cSld>
+  <p:clrMapOvr>
+    <a:masterClrMapping/>
+  </p:clrMapOvr>
+</p:sld>
+</file>
+
+<file path=ppt/slides/slide3.xml><?xml version="1.0" encoding="utf-8"?>
+<p:sld xmlns:a="http://schemas.openxmlformats.org/drawingml/2006/main" xmlns:r="http://schemas.openxmlformats.org/officeDocument/2006/relationships" xmlns:p="http://schemas.openxmlformats.org/presentationml/2006/main">
+  <p:cSld>
+    <p:spTree>
+      <p:nvGrpSpPr>
+        <p:cNvPr id="1" name=""/>
+        <p:cNvGrpSpPr/>
+        <p:nvPr/>
+      </p:nvGrpSpPr>
+      <p:grpSpPr>
+        <a:xfrm>
+          <a:off x="-9525" y="-9525"/>
+          <a:ext cx="14097000" cy="13144500"/>
+          <a:chOff x="-9525" y="-9525"/>
+          <a:chExt cx="14097000" cy="13144500"/>
+        </a:xfrm>
+      </p:grpSpPr>
+      <p:pic>
+        <p:nvPicPr>
+          <p:cNvPr id="1" name="ECA logo" descr="ECA logo"/>
+          <p:cNvPicPr>
+            <a:picLocks noChangeAspect="1"/>
+          </p:cNvPicPr>
+          <p:nvPr/>
+        </p:nvPicPr>
+        <p:blipFill>
+          <a:blip r:embed="rId2"/>
+          <a:stretch>
+            <a:fillRect/>
+          </a:stretch>
+        </p:blipFill>
+        <p:spPr>
+          <a:xfrm>
+            <a:off x="12382500" y="285750"/>
+            <a:ext cx="1685925" cy="381000"/>
+          </a:xfrm>
+          <a:prstGeom prst="rect">
+            <a:avLst/>
+          </a:prstGeom>
+        </p:spPr>
+      </p:pic>
+      <p:pic>
+        <p:nvPicPr>
+          <p:cNvPr id="2" name="ECA LATERAL" descr="ECA LATERAL"/>
+          <p:cNvPicPr>
+            <a:picLocks noChangeAspect="1"/>
+          </p:cNvPicPr>
+          <p:nvPr/>
+        </p:nvPicPr>
+        <p:blipFill>
+          <a:blip r:embed="rId3"/>
+          <a:stretch>
+            <a:fillRect/>
+          </a:stretch>
+        </p:blipFill>
+        <p:spPr>
+          <a:xfrm>
+            <a:off x="-9525" y="-9525"/>
+            <a:ext cx="180975" cy="5715000"/>
+          </a:xfrm>
+          <a:prstGeom prst="rect">
+            <a:avLst/>
+          </a:prstGeom>
+        </p:spPr>
+      </p:pic>
       <p:cxnSp>
         <p:nvCxnSpPr>
+          <p:cNvPr id="3" name=""/>
+          <p:cNvCxnSpPr/>
+          <p:nvPr/>
+        </p:nvCxnSpPr>
+        <p:spPr>
+          <a:xfrm>
+            <a:off x="190500" y="285750"/>
+            <a:ext cx="13906500" cy="0"/>
+          </a:xfrm>
+          <a:prstGeom prst="line">
+            <a:avLst/>
+          </a:prstGeom>
+          <a:ln w="12700" cap="flat" cmpd="sng" algn="ctr">
+            <a:solidFill>
+              <a:srgbClr val="000080">
+                <a:alpha val="100.00%"/>
+              </a:srgbClr>
+            </a:solidFill>
+            <a:prstDash val="solid"/>
+            <a:round/>
+            <a:headEnd type="none" w="med" len="med"/>
+            <a:tailEnd type="none" w="med" len="med"/>
+          </a:ln>
+        </p:spPr>
+      </p:cxnSp>
+      <p:cxnSp>
+        <p:nvCxnSpPr>
+          <p:cNvPr id="4" name=""/>
+          <p:cNvCxnSpPr/>
+          <p:nvPr/>
+        </p:nvCxnSpPr>
+        <p:spPr>
+          <a:xfrm>
+            <a:off x="190500" y="13144500"/>
+            <a:ext cx="13906500" cy="0"/>
+          </a:xfrm>
+          <a:prstGeom prst="line">
+            <a:avLst/>
+          </a:prstGeom>
+          <a:ln w="12700" cap="flat" cmpd="sng" algn="ctr">
+            <a:solidFill>
+              <a:srgbClr val="000080">
+                <a:alpha val="100.00%"/>
+              </a:srgbClr>
+            </a:solidFill>
+            <a:prstDash val="solid"/>
+            <a:round/>
+            <a:headEnd type="none" w="med" len="med"/>
+            <a:tailEnd type="none" w="med" len="med"/>
+          </a:ln>
+        </p:spPr>
+      </p:cxnSp>
+      <p:cxnSp>
+        <p:nvCxnSpPr>
+          <p:cNvPr id="5" name=""/>
+          <p:cNvCxnSpPr/>
+          <p:nvPr/>
+        </p:nvCxnSpPr>
+        <p:spPr>
+          <a:xfrm>
+            <a:off x="190500" y="285750"/>
+            <a:ext cx="0" cy="12858750"/>
+          </a:xfrm>
+          <a:prstGeom prst="line">
+            <a:avLst/>
+          </a:prstGeom>
+          <a:ln w="12700" cap="flat" cmpd="sng" algn="ctr">
+            <a:solidFill>
+              <a:srgbClr val="000080">
+                <a:alpha val="100.00%"/>
+              </a:srgbClr>
+            </a:solidFill>
+            <a:prstDash val="solid"/>
+            <a:round/>
+            <a:headEnd type="none" w="med" len="med"/>
+            <a:tailEnd type="none" w="med" len="med"/>
+          </a:ln>
+        </p:spPr>
+      </p:cxnSp>
+      <p:cxnSp>
+        <p:nvCxnSpPr>
+          <p:cNvPr id="6" name=""/>
+          <p:cNvCxnSpPr/>
+          <p:nvPr/>
+        </p:nvCxnSpPr>
+        <p:spPr>
+          <a:xfrm>
+            <a:off x="14097000" y="285750"/>
+            <a:ext cx="0" cy="12858750"/>
+          </a:xfrm>
+          <a:prstGeom prst="line">
+            <a:avLst/>
+          </a:prstGeom>
+          <a:ln w="12700" cap="flat" cmpd="sng" algn="ctr">
+            <a:solidFill>
+              <a:srgbClr val="000080">
+                <a:alpha val="100.00%"/>
+              </a:srgbClr>
+            </a:solidFill>
+            <a:prstDash val="solid"/>
+            <a:round/>
+            <a:headEnd type="none" w="med" len="med"/>
+            <a:tailEnd type="none" w="med" len="med"/>
+          </a:ln>
+        </p:spPr>
+      </p:cxnSp>
+      <p:cxnSp>
+        <p:nvCxnSpPr>
+          <p:cNvPr id="7" name=""/>
+          <p:cNvCxnSpPr/>
+          <p:nvPr/>
+        </p:nvCxnSpPr>
+        <p:spPr>
+          <a:xfrm>
+            <a:off x="571500" y="285750"/>
+            <a:ext cx="0" cy="12858750"/>
+          </a:xfrm>
+          <a:prstGeom prst="line">
+            <a:avLst/>
+          </a:prstGeom>
+          <a:ln w="12700" cap="flat" cmpd="sng" algn="ctr">
+            <a:solidFill>
+              <a:srgbClr val="000080">
+                <a:alpha val="100.00%"/>
+              </a:srgbClr>
+            </a:solidFill>
+            <a:prstDash val="solid"/>
+            <a:round/>
+            <a:headEnd type="none" w="med" len="med"/>
+            <a:tailEnd type="none" w="med" len="med"/>
+          </a:ln>
+        </p:spPr>
+      </p:cxnSp>
+      <p:sp>
+        <p:nvSpPr>
+          <p:cNvPr id="8" name=""/>
+          <p:cNvSpPr txBox="1"/>
+          <p:nvPr/>
+        </p:nvSpPr>
+        <p:spPr>
+          <a:xfrm>
+            <a:off x="6000750" y="38100"/>
+            <a:ext cx="2857500" cy="190500"/>
+          </a:xfrm>
+          <a:prstGeom prst="rect">
+            <a:avLst/>
+          </a:prstGeom>
+          <a:noFill/>
+        </p:spPr>
+        <p:txBody>
+          <a:bodyPr rtlCol="0" bIns="45720" lIns="91440" rIns="91440" tIns="45720">
+            <a:spAutoFit/>
+          </a:bodyPr>
+          <a:lstStyle/>
+          <a:p>
+            <a:pPr algn="ctr" fontAlgn="base" marL="0" marR="0" indent="0" lvl="0">
+              <a:lnSpc>
+                <a:spcPct val="100%"/>
+              </a:lnSpc>
+            </a:pPr>
+            <a:r>
+              <a:rPr lang="en-US" b="1" sz="1600" spc="0" u="none">
+                <a:solidFill>
+                  <a:srgbClr val="000000">
+                    <a:alpha val="100.00%"/>
+                  </a:srgbClr>
+                </a:solidFill>
+                <a:latin typeface="Calibri"/>
+              </a:rPr>
+              <a:t><![CDATA[ORGANIGRAMA JERÁRQUICOS]]></a:t>
+            </a:r>
+          </a:p>
+        </p:txBody>
+      </p:sp>
+      <p:sp>
+        <p:nvSpPr>
+          <p:cNvPr id="9" name=""/>
+          <p:cNvSpPr txBox="1"/>
+          <p:nvPr/>
+        </p:nvSpPr>
+        <p:spPr>
+          <a:xfrm>
+            <a:off x="95250" y="1666875"/>
+            <a:ext cx="571500" cy="571500"/>
+          </a:xfrm>
+          <a:prstGeom prst="rect">
+            <a:avLst/>
+          </a:prstGeom>
+          <a:noFill/>
+        </p:spPr>
+        <p:txBody>
+          <a:bodyPr rtlCol="0" bIns="45720" lIns="91440" rIns="91440" tIns="45720">
+            <a:spAutoFit/>
+          </a:bodyPr>
+          <a:lstStyle/>
+          <a:p>
+            <a:pPr algn="ctr" fontAlgn="base" marL="0" marR="0" indent="0" lvl="0">
+              <a:lnSpc>
+                <a:spcPct val="100%"/>
+              </a:lnSpc>
+            </a:pPr>
+            <a:r>
+              <a:rPr lang="en-US" b="1" sz="1800" spc="0" u="none">
+                <a:solidFill>
+                  <a:srgbClr val="000000">
+                    <a:alpha val="100.00%"/>
+                  </a:srgbClr>
+                </a:solidFill>
+                <a:latin typeface="Calibri"/>
+              </a:rPr>
+              <a:t><![CDATA[I]]></a:t>
+            </a:r>
+          </a:p>
+        </p:txBody>
+      </p:sp>
+      <p:cxnSp>
+        <p:nvCxnSpPr>
+          <p:cNvPr id="10" name=""/>
+          <p:cNvCxnSpPr/>
+          <p:nvPr/>
+        </p:nvCxnSpPr>
+        <p:spPr>
+          <a:xfrm>
+            <a:off x="190500" y="3333750"/>
+            <a:ext cx="13906500" cy="0"/>
+          </a:xfrm>
+          <a:prstGeom prst="line">
+            <a:avLst/>
+          </a:prstGeom>
+          <a:ln w="12700" cap="flat" cmpd="sng" algn="ctr">
+            <a:solidFill>
+              <a:srgbClr val="000080">
+                <a:alpha val="100.00%"/>
+              </a:srgbClr>
+            </a:solidFill>
+            <a:prstDash val="solid"/>
+            <a:round/>
+            <a:headEnd type="none" w="med" len="med"/>
+            <a:tailEnd type="none" w="med" len="med"/>
+          </a:ln>
+        </p:spPr>
+      </p:cxnSp>
+      <p:sp>
+        <p:nvSpPr>
+          <p:cNvPr id="11" name=""/>
+          <p:cNvSpPr txBox="1"/>
+          <p:nvPr/>
+        </p:nvSpPr>
+        <p:spPr>
+          <a:xfrm>
+            <a:off x="95250" y="5000625"/>
+            <a:ext cx="571500" cy="571500"/>
+          </a:xfrm>
+          <a:prstGeom prst="rect">
+            <a:avLst/>
+          </a:prstGeom>
+          <a:noFill/>
+        </p:spPr>
+        <p:txBody>
+          <a:bodyPr rtlCol="0" bIns="45720" lIns="91440" rIns="91440" tIns="45720">
+            <a:spAutoFit/>
+          </a:bodyPr>
+          <a:lstStyle/>
+          <a:p>
+            <a:pPr algn="ctr" fontAlgn="base" marL="0" marR="0" indent="0" lvl="0">
+              <a:lnSpc>
+                <a:spcPct val="100%"/>
+              </a:lnSpc>
+            </a:pPr>
+            <a:r>
+              <a:rPr lang="en-US" b="1" sz="1800" spc="0" u="none">
+                <a:solidFill>
+                  <a:srgbClr val="000000">
+                    <a:alpha val="100.00%"/>
+                  </a:srgbClr>
+                </a:solidFill>
+                <a:latin typeface="Calibri"/>
+              </a:rPr>
+              <a:t><![CDATA[II]]></a:t>
+            </a:r>
+          </a:p>
+        </p:txBody>
+      </p:sp>
+      <p:cxnSp>
+        <p:nvCxnSpPr>
+          <p:cNvPr id="12" name=""/>
+          <p:cNvCxnSpPr/>
+          <p:nvPr/>
+        </p:nvCxnSpPr>
+        <p:spPr>
+          <a:xfrm>
+            <a:off x="190500" y="6667500"/>
+            <a:ext cx="13906500" cy="0"/>
+          </a:xfrm>
+          <a:prstGeom prst="line">
+            <a:avLst/>
+          </a:prstGeom>
+          <a:ln w="12700" cap="flat" cmpd="sng" algn="ctr">
+            <a:solidFill>
+              <a:srgbClr val="000080">
+                <a:alpha val="100.00%"/>
+              </a:srgbClr>
+            </a:solidFill>
+            <a:prstDash val="solid"/>
+            <a:round/>
+            <a:headEnd type="none" w="med" len="med"/>
+            <a:tailEnd type="none" w="med" len="med"/>
+          </a:ln>
+        </p:spPr>
+      </p:cxnSp>
+      <p:sp>
+        <p:nvSpPr>
+          <p:cNvPr id="13" name=""/>
+          <p:cNvSpPr txBox="1"/>
+          <p:nvPr/>
+        </p:nvSpPr>
+        <p:spPr>
+          <a:xfrm>
+            <a:off x="95250" y="8334375"/>
+            <a:ext cx="571500" cy="571500"/>
+          </a:xfrm>
+          <a:prstGeom prst="rect">
+            <a:avLst/>
+          </a:prstGeom>
+          <a:noFill/>
+        </p:spPr>
+        <p:txBody>
+          <a:bodyPr rtlCol="0" bIns="45720" lIns="91440" rIns="91440" tIns="45720">
+            <a:spAutoFit/>
+          </a:bodyPr>
+          <a:lstStyle/>
+          <a:p>
+            <a:pPr algn="ctr" fontAlgn="base" marL="0" marR="0" indent="0" lvl="0">
+              <a:lnSpc>
+                <a:spcPct val="100%"/>
+              </a:lnSpc>
+            </a:pPr>
+            <a:r>
+              <a:rPr lang="en-US" b="1" sz="1800" spc="0" u="none">
+                <a:solidFill>
+                  <a:srgbClr val="000000">
+                    <a:alpha val="100.00%"/>
+                  </a:srgbClr>
+                </a:solidFill>
+                <a:latin typeface="Calibri"/>
+              </a:rPr>
+              <a:t><![CDATA[III]]></a:t>
+            </a:r>
+          </a:p>
+        </p:txBody>
+      </p:sp>
+      <p:cxnSp>
+        <p:nvCxnSpPr>
+          <p:cNvPr id="14" name=""/>
+          <p:cNvCxnSpPr/>
+          <p:nvPr/>
+        </p:nvCxnSpPr>
+        <p:spPr>
+          <a:xfrm>
+            <a:off x="190500" y="10001250"/>
+            <a:ext cx="13906500" cy="0"/>
+          </a:xfrm>
+          <a:prstGeom prst="line">
+            <a:avLst/>
+          </a:prstGeom>
+          <a:ln w="12700" cap="flat" cmpd="sng" algn="ctr">
+            <a:solidFill>
+              <a:srgbClr val="000080">
+                <a:alpha val="100.00%"/>
+              </a:srgbClr>
+            </a:solidFill>
+            <a:prstDash val="solid"/>
+            <a:round/>
+            <a:headEnd type="none" w="med" len="med"/>
+            <a:tailEnd type="none" w="med" len="med"/>
+          </a:ln>
+        </p:spPr>
+      </p:cxnSp>
+      <p:sp>
+        <p:nvSpPr>
+          <p:cNvPr id="15" name=""/>
+          <p:cNvSpPr txBox="1"/>
+          <p:nvPr/>
+        </p:nvSpPr>
+        <p:spPr>
+          <a:xfrm>
+            <a:off x="95250" y="11668125"/>
+            <a:ext cx="571500" cy="571500"/>
+          </a:xfrm>
+          <a:prstGeom prst="rect">
+            <a:avLst/>
+          </a:prstGeom>
+          <a:noFill/>
+        </p:spPr>
+        <p:txBody>
+          <a:bodyPr rtlCol="0" bIns="45720" lIns="91440" rIns="91440" tIns="45720">
+            <a:spAutoFit/>
+          </a:bodyPr>
+          <a:lstStyle/>
+          <a:p>
+            <a:pPr algn="ctr" fontAlgn="base" marL="0" marR="0" indent="0" lvl="0">
+              <a:lnSpc>
+                <a:spcPct val="100%"/>
+              </a:lnSpc>
+            </a:pPr>
+            <a:r>
+              <a:rPr lang="en-US" b="1" sz="1800" spc="0" u="none">
+                <a:solidFill>
+                  <a:srgbClr val="000000">
+                    <a:alpha val="100.00%"/>
+                  </a:srgbClr>
+                </a:solidFill>
+                <a:latin typeface="Calibri"/>
+              </a:rPr>
+              <a:t><![CDATA[IV]]></a:t>
+            </a:r>
+          </a:p>
+        </p:txBody>
+      </p:sp>
+      <p:sp>
+        <p:nvSpPr>
+          <p:cNvPr id="16" name=""/>
+          <p:cNvSpPr txBox="1"/>
+          <p:nvPr/>
+        </p:nvSpPr>
+        <p:spPr>
+          <a:xfrm>
+            <a:off x="666750" y="4143375"/>
+            <a:ext cx="1238250" cy="762000"/>
+          </a:xfrm>
+          <a:prstGeom prst="rect">
+            <a:avLst/>
+          </a:prstGeom>
+          <a:noFill/>
+          <a:ln w="25400" cap="flat" cmpd="sng" algn="ctr">
+            <a:solidFill>
+              <a:srgbClr val="000000">
+                <a:alpha val="100.00%"/>
+              </a:srgbClr>
+            </a:solidFill>
+            <a:prstDash val="solid"/>
+            <a:round/>
+            <a:headEnd type="none" w="med" len="med"/>
+            <a:tailEnd type="none" w="med" len="med"/>
+          </a:ln>
+        </p:spPr>
+        <p:txBody>
+          <a:bodyPr rtlCol="0" bIns="45720" lIns="91440" rIns="91440" tIns="45720">
+            <a:spAutoFit/>
+          </a:bodyPr>
+          <a:lstStyle/>
+          <a:p>
+            <a:pPr algn="ctr" fontAlgn="base" marL="0" marR="0" indent="0" lvl="0">
+              <a:lnSpc>
+                <a:spcPct val="100%"/>
+              </a:lnSpc>
+            </a:pPr>
+            <a:r>
+              <a:rPr lang="en-US" b="1" sz="900" spc="0" u="none">
+                <a:solidFill>
+                  <a:srgbClr val="000000">
+                    <a:alpha val="100.00%"/>
+                  </a:srgbClr>
+                </a:solidFill>
+                <a:latin typeface="Calibri"/>
+              </a:rPr>
+              <a:t><![CDATA[PLANIFICACION Y SEGUIMIENTO DE LA EXPLOTACION]]></a:t>
+            </a:r>
+          </a:p>
+        </p:txBody>
+      </p:sp>
+      <p:sp>
+        <p:nvSpPr>
+          <p:cNvPr id="17" name=""/>
+          <p:cNvSpPr txBox="1"/>
+          <p:nvPr/>
+        </p:nvSpPr>
+        <p:spPr>
+          <a:xfrm>
+            <a:off x="666750" y="8629650"/>
+            <a:ext cx="1238250" cy="762000"/>
+          </a:xfrm>
+          <a:prstGeom prst="rect">
+            <a:avLst/>
+          </a:prstGeom>
+          <a:noFill/>
+          <a:ln w="25400" cap="flat" cmpd="sng" algn="ctr">
+            <a:solidFill>
+              <a:srgbClr val="000000">
+                <a:alpha val="100.00%"/>
+              </a:srgbClr>
+            </a:solidFill>
+            <a:prstDash val="solid"/>
+            <a:round/>
+            <a:headEnd type="none" w="med" len="med"/>
+            <a:tailEnd type="none" w="med" len="med"/>
+          </a:ln>
+        </p:spPr>
+        <p:txBody>
+          <a:bodyPr rtlCol="0" bIns="45720" lIns="91440" rIns="91440" tIns="45720">
+            <a:spAutoFit/>
+          </a:bodyPr>
+          <a:lstStyle/>
+          <a:p>
+            <a:pPr algn="ctr" fontAlgn="base" marL="0" marR="0" indent="0" lvl="0">
+              <a:lnSpc>
+                <a:spcPct val="100%"/>
+              </a:lnSpc>
+            </a:pPr>
+            <a:r>
+              <a:rPr lang="en-US" b="1" sz="900" spc="0" u="none">
+                <a:solidFill>
+                  <a:srgbClr val="000000">
+                    <a:alpha val="100.00%"/>
+                  </a:srgbClr>
+                </a:solidFill>
+                <a:latin typeface="Calibri"/>
+              </a:rPr>
+              <a:t><![CDATA[PROGRAMACION DE OPERACION RED]]></a:t>
+            </a:r>
+          </a:p>
+        </p:txBody>
+      </p:sp>
+      <p:sp>
+        <p:nvSpPr>
           <p:cNvPr id="18" name=""/>
+          <p:cNvSpPr txBox="1"/>
+          <p:nvPr/>
+        </p:nvSpPr>
+        <p:spPr>
+          <a:xfrm>
+            <a:off x="2000250" y="8629650"/>
+            <a:ext cx="1238250" cy="762000"/>
+          </a:xfrm>
+          <a:prstGeom prst="rect">
+            <a:avLst/>
+          </a:prstGeom>
+          <a:noFill/>
+          <a:ln w="25400" cap="flat" cmpd="sng" algn="ctr">
+            <a:solidFill>
+              <a:srgbClr val="000000">
+                <a:alpha val="100.00%"/>
+              </a:srgbClr>
+            </a:solidFill>
+            <a:prstDash val="solid"/>
+            <a:round/>
+            <a:headEnd type="none" w="med" len="med"/>
+            <a:tailEnd type="none" w="med" len="med"/>
+          </a:ln>
+        </p:spPr>
+        <p:txBody>
+          <a:bodyPr rtlCol="0" bIns="45720" lIns="91440" rIns="91440" tIns="45720">
+            <a:spAutoFit/>
+          </a:bodyPr>
+          <a:lstStyle/>
+          <a:p>
+            <a:pPr algn="ctr" fontAlgn="base" marL="0" marR="0" indent="0" lvl="0">
+              <a:lnSpc>
+                <a:spcPct val="100%"/>
+              </a:lnSpc>
+            </a:pPr>
+            <a:r>
+              <a:rPr lang="en-US" b="1" sz="900" spc="0" u="none">
+                <a:solidFill>
+                  <a:srgbClr val="000000">
+                    <a:alpha val="100.00%"/>
+                  </a:srgbClr>
+                </a:solidFill>
+                <a:latin typeface="Calibri"/>
+              </a:rPr>
+              <a:t><![CDATA[ANALISTA PROGRAMACION DE OPERACION RED]]></a:t>
+            </a:r>
+          </a:p>
+        </p:txBody>
+      </p:sp>
+      <p:sp>
+        <p:nvSpPr>
+          <p:cNvPr id="19" name=""/>
+          <p:cNvSpPr txBox="1"/>
+          <p:nvPr/>
+        </p:nvSpPr>
+        <p:spPr>
+          <a:xfrm>
+            <a:off x="3333750" y="8629650"/>
+            <a:ext cx="1238250" cy="762000"/>
+          </a:xfrm>
+          <a:prstGeom prst="rect">
+            <a:avLst/>
+          </a:prstGeom>
+          <a:noFill/>
+          <a:ln w="25400" cap="flat" cmpd="sng" algn="ctr">
+            <a:solidFill>
+              <a:srgbClr val="000000">
+                <a:alpha val="100.00%"/>
+              </a:srgbClr>
+            </a:solidFill>
+            <a:prstDash val="solid"/>
+            <a:round/>
+            <a:headEnd type="none" w="med" len="med"/>
+            <a:tailEnd type="none" w="med" len="med"/>
+          </a:ln>
+        </p:spPr>
+        <p:txBody>
+          <a:bodyPr rtlCol="0" bIns="45720" lIns="91440" rIns="91440" tIns="45720">
+            <a:spAutoFit/>
+          </a:bodyPr>
+          <a:lstStyle/>
+          <a:p>
+            <a:pPr algn="ctr" fontAlgn="base" marL="0" marR="0" indent="0" lvl="0">
+              <a:lnSpc>
+                <a:spcPct val="100%"/>
+              </a:lnSpc>
+            </a:pPr>
+            <a:r>
+              <a:rPr lang="en-US" b="1" sz="900" spc="0" u="none">
+                <a:solidFill>
+                  <a:srgbClr val="000000">
+                    <a:alpha val="100.00%"/>
+                  </a:srgbClr>
+                </a:solidFill>
+                <a:latin typeface="Calibri"/>
+              </a:rPr>
+              <a:t><![CDATA[INFORMACION DE EXPLOTACION & OPERACION DE RED]]></a:t>
+            </a:r>
+          </a:p>
+        </p:txBody>
+      </p:sp>
+    </p:spTree>
+  </p:cSld>
+  <p:clrMapOvr>
+    <a:masterClrMapping/>
+  </p:clrMapOvr>
+</p:sld>
+</file>
+
+<file path=ppt/slides/slide4.xml><?xml version="1.0" encoding="utf-8"?>
+<p:sld xmlns:a="http://schemas.openxmlformats.org/drawingml/2006/main" xmlns:r="http://schemas.openxmlformats.org/officeDocument/2006/relationships" xmlns:p="http://schemas.openxmlformats.org/presentationml/2006/main">
+  <p:cSld>
+    <p:spTree>
+      <p:nvGrpSpPr>
+        <p:cNvPr id="1" name=""/>
+        <p:cNvGrpSpPr/>
+        <p:nvPr/>
+      </p:nvGrpSpPr>
+      <p:grpSpPr>
+        <a:xfrm>
+          <a:off x="-9525" y="-9525"/>
+          <a:ext cx="14097000" cy="13144500"/>
+          <a:chOff x="-9525" y="-9525"/>
+          <a:chExt cx="14097000" cy="13144500"/>
+        </a:xfrm>
+      </p:grpSpPr>
+      <p:pic>
+        <p:nvPicPr>
+          <p:cNvPr id="1" name="ECA logo" descr="ECA logo"/>
+          <p:cNvPicPr>
+            <a:picLocks noChangeAspect="1"/>
+          </p:cNvPicPr>
+          <p:nvPr/>
+        </p:nvPicPr>
+        <p:blipFill>
+          <a:blip r:embed="rId2"/>
+          <a:stretch>
+            <a:fillRect/>
+          </a:stretch>
+        </p:blipFill>
+        <p:spPr>
+          <a:xfrm>
+            <a:off x="12382500" y="285750"/>
+            <a:ext cx="1685925" cy="381000"/>
+          </a:xfrm>
+          <a:prstGeom prst="rect">
+            <a:avLst/>
+          </a:prstGeom>
+        </p:spPr>
+      </p:pic>
+      <p:pic>
+        <p:nvPicPr>
+          <p:cNvPr id="2" name="ECA LATERAL" descr="ECA LATERAL"/>
+          <p:cNvPicPr>
+            <a:picLocks noChangeAspect="1"/>
+          </p:cNvPicPr>
+          <p:nvPr/>
+        </p:nvPicPr>
+        <p:blipFill>
+          <a:blip r:embed="rId3"/>
+          <a:stretch>
+            <a:fillRect/>
+          </a:stretch>
+        </p:blipFill>
+        <p:spPr>
+          <a:xfrm>
+            <a:off x="-9525" y="-9525"/>
+            <a:ext cx="180975" cy="5715000"/>
+          </a:xfrm>
+          <a:prstGeom prst="rect">
+            <a:avLst/>
+          </a:prstGeom>
+        </p:spPr>
+      </p:pic>
+      <p:cxnSp>
+        <p:nvCxnSpPr>
+          <p:cNvPr id="3" name=""/>
           <p:cNvCxnSpPr/>
           <p:nvPr/>
         </p:nvCxnSpPr>
         <p:spPr>
           <a:xfrm>
-            <a:off x="190500" y="11906250"/>
-            <a:ext cx="50730150" cy="0"/>
+            <a:off x="190500" y="285750"/>
+            <a:ext cx="13906500" cy="0"/>
           </a:xfrm>
           <a:prstGeom prst="line">
             <a:avLst/>
@@ -779,15 +2295,164 @@
           </a:ln>
         </p:spPr>
       </p:cxnSp>
-      <p:sp>
-        <p:nvSpPr>
-          <p:cNvPr id="19" name=""/>
-          <p:cNvSpPr txBox="1"/>
-          <p:nvPr/>
-        </p:nvSpPr>
-        <p:spPr>
-          <a:xfrm>
-            <a:off x="95250" y="13096875"/>
+      <p:cxnSp>
+        <p:nvCxnSpPr>
+          <p:cNvPr id="4" name=""/>
+          <p:cNvCxnSpPr/>
+          <p:nvPr/>
+        </p:nvCxnSpPr>
+        <p:spPr>
+          <a:xfrm>
+            <a:off x="190500" y="13144500"/>
+            <a:ext cx="13906500" cy="0"/>
+          </a:xfrm>
+          <a:prstGeom prst="line">
+            <a:avLst/>
+          </a:prstGeom>
+          <a:ln w="12700" cap="flat" cmpd="sng" algn="ctr">
+            <a:solidFill>
+              <a:srgbClr val="000080">
+                <a:alpha val="100.00%"/>
+              </a:srgbClr>
+            </a:solidFill>
+            <a:prstDash val="solid"/>
+            <a:round/>
+            <a:headEnd type="none" w="med" len="med"/>
+            <a:tailEnd type="none" w="med" len="med"/>
+          </a:ln>
+        </p:spPr>
+      </p:cxnSp>
+      <p:cxnSp>
+        <p:nvCxnSpPr>
+          <p:cNvPr id="5" name=""/>
+          <p:cNvCxnSpPr/>
+          <p:nvPr/>
+        </p:nvCxnSpPr>
+        <p:spPr>
+          <a:xfrm>
+            <a:off x="190500" y="285750"/>
+            <a:ext cx="0" cy="12858750"/>
+          </a:xfrm>
+          <a:prstGeom prst="line">
+            <a:avLst/>
+          </a:prstGeom>
+          <a:ln w="12700" cap="flat" cmpd="sng" algn="ctr">
+            <a:solidFill>
+              <a:srgbClr val="000080">
+                <a:alpha val="100.00%"/>
+              </a:srgbClr>
+            </a:solidFill>
+            <a:prstDash val="solid"/>
+            <a:round/>
+            <a:headEnd type="none" w="med" len="med"/>
+            <a:tailEnd type="none" w="med" len="med"/>
+          </a:ln>
+        </p:spPr>
+      </p:cxnSp>
+      <p:cxnSp>
+        <p:nvCxnSpPr>
+          <p:cNvPr id="6" name=""/>
+          <p:cNvCxnSpPr/>
+          <p:nvPr/>
+        </p:nvCxnSpPr>
+        <p:spPr>
+          <a:xfrm>
+            <a:off x="14097000" y="285750"/>
+            <a:ext cx="0" cy="12858750"/>
+          </a:xfrm>
+          <a:prstGeom prst="line">
+            <a:avLst/>
+          </a:prstGeom>
+          <a:ln w="12700" cap="flat" cmpd="sng" algn="ctr">
+            <a:solidFill>
+              <a:srgbClr val="000080">
+                <a:alpha val="100.00%"/>
+              </a:srgbClr>
+            </a:solidFill>
+            <a:prstDash val="solid"/>
+            <a:round/>
+            <a:headEnd type="none" w="med" len="med"/>
+            <a:tailEnd type="none" w="med" len="med"/>
+          </a:ln>
+        </p:spPr>
+      </p:cxnSp>
+      <p:cxnSp>
+        <p:nvCxnSpPr>
+          <p:cNvPr id="7" name=""/>
+          <p:cNvCxnSpPr/>
+          <p:nvPr/>
+        </p:nvCxnSpPr>
+        <p:spPr>
+          <a:xfrm>
+            <a:off x="571500" y="285750"/>
+            <a:ext cx="0" cy="12858750"/>
+          </a:xfrm>
+          <a:prstGeom prst="line">
+            <a:avLst/>
+          </a:prstGeom>
+          <a:ln w="12700" cap="flat" cmpd="sng" algn="ctr">
+            <a:solidFill>
+              <a:srgbClr val="000080">
+                <a:alpha val="100.00%"/>
+              </a:srgbClr>
+            </a:solidFill>
+            <a:prstDash val="solid"/>
+            <a:round/>
+            <a:headEnd type="none" w="med" len="med"/>
+            <a:tailEnd type="none" w="med" len="med"/>
+          </a:ln>
+        </p:spPr>
+      </p:cxnSp>
+      <p:sp>
+        <p:nvSpPr>
+          <p:cNvPr id="8" name=""/>
+          <p:cNvSpPr txBox="1"/>
+          <p:nvPr/>
+        </p:nvSpPr>
+        <p:spPr>
+          <a:xfrm>
+            <a:off x="6000750" y="38100"/>
+            <a:ext cx="2857500" cy="190500"/>
+          </a:xfrm>
+          <a:prstGeom prst="rect">
+            <a:avLst/>
+          </a:prstGeom>
+          <a:noFill/>
+        </p:spPr>
+        <p:txBody>
+          <a:bodyPr rtlCol="0" bIns="45720" lIns="91440" rIns="91440" tIns="45720">
+            <a:spAutoFit/>
+          </a:bodyPr>
+          <a:lstStyle/>
+          <a:p>
+            <a:pPr algn="ctr" fontAlgn="base" marL="0" marR="0" indent="0" lvl="0">
+              <a:lnSpc>
+                <a:spcPct val="100%"/>
+              </a:lnSpc>
+            </a:pPr>
+            <a:r>
+              <a:rPr lang="en-US" b="1" sz="1600" spc="0" u="none">
+                <a:solidFill>
+                  <a:srgbClr val="000000">
+                    <a:alpha val="100.00%"/>
+                  </a:srgbClr>
+                </a:solidFill>
+                <a:latin typeface="Calibri"/>
+              </a:rPr>
+              <a:t><![CDATA[ORGANIGRAMA JERÁRQUICOS]]></a:t>
+            </a:r>
+          </a:p>
+        </p:txBody>
+      </p:sp>
+      <p:sp>
+        <p:nvSpPr>
+          <p:cNvPr id="9" name=""/>
+          <p:cNvSpPr txBox="1"/>
+          <p:nvPr/>
+        </p:nvSpPr>
+        <p:spPr>
+          <a:xfrm>
+            <a:off x="95250" y="1666875"/>
             <a:ext cx="571500" cy="571500"/>
           </a:xfrm>
           <a:prstGeom prst="rect">
@@ -815,7 +2480,367 @@
                 </a:solidFill>
                 <a:latin typeface="Calibri"/>
               </a:rPr>
-              <a:t><![CDATA[V]]></a:t>
+              <a:t><![CDATA[I]]></a:t>
+            </a:r>
+          </a:p>
+        </p:txBody>
+      </p:sp>
+      <p:cxnSp>
+        <p:nvCxnSpPr>
+          <p:cNvPr id="10" name=""/>
+          <p:cNvCxnSpPr/>
+          <p:nvPr/>
+        </p:nvCxnSpPr>
+        <p:spPr>
+          <a:xfrm>
+            <a:off x="190500" y="3333750"/>
+            <a:ext cx="13906500" cy="0"/>
+          </a:xfrm>
+          <a:prstGeom prst="line">
+            <a:avLst/>
+          </a:prstGeom>
+          <a:ln w="12700" cap="flat" cmpd="sng" algn="ctr">
+            <a:solidFill>
+              <a:srgbClr val="000080">
+                <a:alpha val="100.00%"/>
+              </a:srgbClr>
+            </a:solidFill>
+            <a:prstDash val="solid"/>
+            <a:round/>
+            <a:headEnd type="none" w="med" len="med"/>
+            <a:tailEnd type="none" w="med" len="med"/>
+          </a:ln>
+        </p:spPr>
+      </p:cxnSp>
+      <p:sp>
+        <p:nvSpPr>
+          <p:cNvPr id="11" name=""/>
+          <p:cNvSpPr txBox="1"/>
+          <p:nvPr/>
+        </p:nvSpPr>
+        <p:spPr>
+          <a:xfrm>
+            <a:off x="95250" y="5000625"/>
+            <a:ext cx="571500" cy="571500"/>
+          </a:xfrm>
+          <a:prstGeom prst="rect">
+            <a:avLst/>
+          </a:prstGeom>
+          <a:noFill/>
+        </p:spPr>
+        <p:txBody>
+          <a:bodyPr rtlCol="0" bIns="45720" lIns="91440" rIns="91440" tIns="45720">
+            <a:spAutoFit/>
+          </a:bodyPr>
+          <a:lstStyle/>
+          <a:p>
+            <a:pPr algn="ctr" fontAlgn="base" marL="0" marR="0" indent="0" lvl="0">
+              <a:lnSpc>
+                <a:spcPct val="100%"/>
+              </a:lnSpc>
+            </a:pPr>
+            <a:r>
+              <a:rPr lang="en-US" b="1" sz="1800" spc="0" u="none">
+                <a:solidFill>
+                  <a:srgbClr val="000000">
+                    <a:alpha val="100.00%"/>
+                  </a:srgbClr>
+                </a:solidFill>
+                <a:latin typeface="Calibri"/>
+              </a:rPr>
+              <a:t><![CDATA[II]]></a:t>
+            </a:r>
+          </a:p>
+        </p:txBody>
+      </p:sp>
+      <p:cxnSp>
+        <p:nvCxnSpPr>
+          <p:cNvPr id="12" name=""/>
+          <p:cNvCxnSpPr/>
+          <p:nvPr/>
+        </p:nvCxnSpPr>
+        <p:spPr>
+          <a:xfrm>
+            <a:off x="190500" y="6667500"/>
+            <a:ext cx="13906500" cy="0"/>
+          </a:xfrm>
+          <a:prstGeom prst="line">
+            <a:avLst/>
+          </a:prstGeom>
+          <a:ln w="12700" cap="flat" cmpd="sng" algn="ctr">
+            <a:solidFill>
+              <a:srgbClr val="000080">
+                <a:alpha val="100.00%"/>
+              </a:srgbClr>
+            </a:solidFill>
+            <a:prstDash val="solid"/>
+            <a:round/>
+            <a:headEnd type="none" w="med" len="med"/>
+            <a:tailEnd type="none" w="med" len="med"/>
+          </a:ln>
+        </p:spPr>
+      </p:cxnSp>
+      <p:sp>
+        <p:nvSpPr>
+          <p:cNvPr id="13" name=""/>
+          <p:cNvSpPr txBox="1"/>
+          <p:nvPr/>
+        </p:nvSpPr>
+        <p:spPr>
+          <a:xfrm>
+            <a:off x="95250" y="8334375"/>
+            <a:ext cx="571500" cy="571500"/>
+          </a:xfrm>
+          <a:prstGeom prst="rect">
+            <a:avLst/>
+          </a:prstGeom>
+          <a:noFill/>
+        </p:spPr>
+        <p:txBody>
+          <a:bodyPr rtlCol="0" bIns="45720" lIns="91440" rIns="91440" tIns="45720">
+            <a:spAutoFit/>
+          </a:bodyPr>
+          <a:lstStyle/>
+          <a:p>
+            <a:pPr algn="ctr" fontAlgn="base" marL="0" marR="0" indent="0" lvl="0">
+              <a:lnSpc>
+                <a:spcPct val="100%"/>
+              </a:lnSpc>
+            </a:pPr>
+            <a:r>
+              <a:rPr lang="en-US" b="1" sz="1800" spc="0" u="none">
+                <a:solidFill>
+                  <a:srgbClr val="000000">
+                    <a:alpha val="100.00%"/>
+                  </a:srgbClr>
+                </a:solidFill>
+                <a:latin typeface="Calibri"/>
+              </a:rPr>
+              <a:t><![CDATA[III]]></a:t>
+            </a:r>
+          </a:p>
+        </p:txBody>
+      </p:sp>
+      <p:cxnSp>
+        <p:nvCxnSpPr>
+          <p:cNvPr id="14" name=""/>
+          <p:cNvCxnSpPr/>
+          <p:nvPr/>
+        </p:nvCxnSpPr>
+        <p:spPr>
+          <a:xfrm>
+            <a:off x="190500" y="10001250"/>
+            <a:ext cx="13906500" cy="0"/>
+          </a:xfrm>
+          <a:prstGeom prst="line">
+            <a:avLst/>
+          </a:prstGeom>
+          <a:ln w="12700" cap="flat" cmpd="sng" algn="ctr">
+            <a:solidFill>
+              <a:srgbClr val="000080">
+                <a:alpha val="100.00%"/>
+              </a:srgbClr>
+            </a:solidFill>
+            <a:prstDash val="solid"/>
+            <a:round/>
+            <a:headEnd type="none" w="med" len="med"/>
+            <a:tailEnd type="none" w="med" len="med"/>
+          </a:ln>
+        </p:spPr>
+      </p:cxnSp>
+      <p:sp>
+        <p:nvSpPr>
+          <p:cNvPr id="15" name=""/>
+          <p:cNvSpPr txBox="1"/>
+          <p:nvPr/>
+        </p:nvSpPr>
+        <p:spPr>
+          <a:xfrm>
+            <a:off x="95250" y="11668125"/>
+            <a:ext cx="571500" cy="571500"/>
+          </a:xfrm>
+          <a:prstGeom prst="rect">
+            <a:avLst/>
+          </a:prstGeom>
+          <a:noFill/>
+        </p:spPr>
+        <p:txBody>
+          <a:bodyPr rtlCol="0" bIns="45720" lIns="91440" rIns="91440" tIns="45720">
+            <a:spAutoFit/>
+          </a:bodyPr>
+          <a:lstStyle/>
+          <a:p>
+            <a:pPr algn="ctr" fontAlgn="base" marL="0" marR="0" indent="0" lvl="0">
+              <a:lnSpc>
+                <a:spcPct val="100%"/>
+              </a:lnSpc>
+            </a:pPr>
+            <a:r>
+              <a:rPr lang="en-US" b="1" sz="1800" spc="0" u="none">
+                <a:solidFill>
+                  <a:srgbClr val="000000">
+                    <a:alpha val="100.00%"/>
+                  </a:srgbClr>
+                </a:solidFill>
+                <a:latin typeface="Calibri"/>
+              </a:rPr>
+              <a:t><![CDATA[IV]]></a:t>
+            </a:r>
+          </a:p>
+        </p:txBody>
+      </p:sp>
+      <p:sp>
+        <p:nvSpPr>
+          <p:cNvPr id="16" name=""/>
+          <p:cNvSpPr txBox="1"/>
+          <p:nvPr/>
+        </p:nvSpPr>
+        <p:spPr>
+          <a:xfrm>
+            <a:off x="666750" y="4143375"/>
+            <a:ext cx="1238250" cy="762000"/>
+          </a:xfrm>
+          <a:prstGeom prst="rect">
+            <a:avLst/>
+          </a:prstGeom>
+          <a:noFill/>
+          <a:ln w="25400" cap="flat" cmpd="sng" algn="ctr">
+            <a:solidFill>
+              <a:srgbClr val="000000">
+                <a:alpha val="100.00%"/>
+              </a:srgbClr>
+            </a:solidFill>
+            <a:prstDash val="solid"/>
+            <a:round/>
+            <a:headEnd type="none" w="med" len="med"/>
+            <a:tailEnd type="none" w="med" len="med"/>
+          </a:ln>
+        </p:spPr>
+        <p:txBody>
+          <a:bodyPr rtlCol="0" bIns="45720" lIns="91440" rIns="91440" tIns="45720">
+            <a:spAutoFit/>
+          </a:bodyPr>
+          <a:lstStyle/>
+          <a:p>
+            <a:pPr algn="ctr" fontAlgn="base" marL="0" marR="0" indent="0" lvl="0">
+              <a:lnSpc>
+                <a:spcPct val="100%"/>
+              </a:lnSpc>
+            </a:pPr>
+            <a:r>
+              <a:rPr lang="en-US" b="1" sz="900" spc="0" u="none">
+                <a:solidFill>
+                  <a:srgbClr val="000000">
+                    <a:alpha val="100.00%"/>
+                  </a:srgbClr>
+                </a:solidFill>
+                <a:latin typeface="Calibri"/>
+              </a:rPr>
+              <a:t><![CDATA[CENTRO DE OPERACION DE RED]]></a:t>
+            </a:r>
+          </a:p>
+        </p:txBody>
+      </p:sp>
+      <p:sp>
+        <p:nvSpPr>
+          <p:cNvPr id="17" name=""/>
+          <p:cNvSpPr txBox="1"/>
+          <p:nvPr/>
+        </p:nvSpPr>
+        <p:spPr>
+          <a:xfrm>
+            <a:off x="666750" y="8629650"/>
+            <a:ext cx="1238250" cy="762000"/>
+          </a:xfrm>
+          <a:prstGeom prst="rect">
+            <a:avLst/>
+          </a:prstGeom>
+          <a:noFill/>
+          <a:ln w="25400" cap="flat" cmpd="sng" algn="ctr">
+            <a:solidFill>
+              <a:srgbClr val="000000">
+                <a:alpha val="100.00%"/>
+              </a:srgbClr>
+            </a:solidFill>
+            <a:prstDash val="solid"/>
+            <a:round/>
+            <a:headEnd type="none" w="med" len="med"/>
+            <a:tailEnd type="none" w="med" len="med"/>
+          </a:ln>
+        </p:spPr>
+        <p:txBody>
+          <a:bodyPr rtlCol="0" bIns="45720" lIns="91440" rIns="91440" tIns="45720">
+            <a:spAutoFit/>
+          </a:bodyPr>
+          <a:lstStyle/>
+          <a:p>
+            <a:pPr algn="ctr" fontAlgn="base" marL="0" marR="0" indent="0" lvl="0">
+              <a:lnSpc>
+                <a:spcPct val="100%"/>
+              </a:lnSpc>
+            </a:pPr>
+            <a:r>
+              <a:rPr lang="en-US" b="1" sz="900" spc="0" u="none">
+                <a:solidFill>
+                  <a:srgbClr val="000000">
+                    <a:alpha val="100.00%"/>
+                  </a:srgbClr>
+                </a:solidFill>
+                <a:latin typeface="Calibri"/>
+              </a:rPr>
+              <a:t><![CDATA[JEFE TURNO OPERACION CLD]]></a:t>
+            </a:r>
+          </a:p>
+        </p:txBody>
+      </p:sp>
+      <p:sp>
+        <p:nvSpPr>
+          <p:cNvPr id="18" name=""/>
+          <p:cNvSpPr txBox="1"/>
+          <p:nvPr/>
+        </p:nvSpPr>
+        <p:spPr>
+          <a:xfrm>
+            <a:off x="666750" y="11963400"/>
+            <a:ext cx="1238250" cy="762000"/>
+          </a:xfrm>
+          <a:prstGeom prst="rect">
+            <a:avLst/>
+          </a:prstGeom>
+          <a:noFill/>
+          <a:ln w="25400" cap="flat" cmpd="sng" algn="ctr">
+            <a:solidFill>
+              <a:srgbClr val="000000">
+                <a:alpha val="100.00%"/>
+              </a:srgbClr>
+            </a:solidFill>
+            <a:prstDash val="solid"/>
+            <a:round/>
+            <a:headEnd type="none" w="med" len="med"/>
+            <a:tailEnd type="none" w="med" len="med"/>
+          </a:ln>
+        </p:spPr>
+        <p:txBody>
+          <a:bodyPr rtlCol="0" bIns="45720" lIns="91440" rIns="91440" tIns="45720">
+            <a:spAutoFit/>
+          </a:bodyPr>
+          <a:lstStyle/>
+          <a:p>
+            <a:pPr algn="ctr" fontAlgn="base" marL="0" marR="0" indent="0" lvl="0">
+              <a:lnSpc>
+                <a:spcPct val="100%"/>
+              </a:lnSpc>
+            </a:pPr>
+            <a:r>
+              <a:rPr lang="en-US" b="1" sz="900" spc="0" u="none">
+                <a:solidFill>
+                  <a:srgbClr val="000000">
+                    <a:alpha val="100.00%"/>
+                  </a:srgbClr>
+                </a:solidFill>
+                <a:latin typeface="Calibri"/>
+              </a:rPr>
+              <a:t><![CDATA[TECNICO OPERACION CLD]]></a:t>
             </a:r>
           </a:p>
         </p:txBody>
@@ -829,9 +2854,9 @@
 </file>
 
 <file path=ppt/theme/theme1.xml><?xml version="1.0" encoding="utf-8"?>
-<a:theme xmlns:a="http://schemas.openxmlformats.org/drawingml/2006/main" name="Theme88">
+<a:theme xmlns:a="http://schemas.openxmlformats.org/drawingml/2006/main" name="Theme44">
   <a:themeElements>
-    <a:clrScheme name="Theme88">
+    <a:clrScheme name="Theme44">
       <a:dk1>
         <a:sysClr val="windowText" lastClr="000000"/>
       </a:dk1>
@@ -869,7 +2894,7 @@
         <a:srgbClr val="800080"/>
       </a:folHlink>
     </a:clrScheme>
-    <a:fontScheme name="Theme88">
+    <a:fontScheme name="Theme44">
       <a:majorFont>
         <a:latin typeface="Calibri"/>
         <a:ea typeface=""/>
@@ -939,7 +2964,7 @@
         <a:font script="Uigh" typeface="Microsoft Uighur"/>
       </a:minorFont>
     </a:fontScheme>
-    <a:fmtScheme name="Theme88">
+    <a:fmtScheme name="Theme44">
       <a:fillStyleLst>
         <a:solidFill>
           <a:schemeClr val="phClr"/>
